--- a/开题报告.pptx
+++ b/开题报告.pptx
@@ -5,7 +5,7 @@
     <p:sldMasterId id="2147483858" r:id="rId1"/>
   </p:sldMasterIdLst>
   <p:notesMasterIdLst>
-    <p:notesMasterId r:id="rId15"/>
+    <p:notesMasterId r:id="rId17"/>
   </p:notesMasterIdLst>
   <p:sldIdLst>
     <p:sldId id="270" r:id="rId2"/>
@@ -15,12 +15,14 @@
     <p:sldId id="272" r:id="rId6"/>
     <p:sldId id="286" r:id="rId7"/>
     <p:sldId id="268" r:id="rId8"/>
-    <p:sldId id="284" r:id="rId9"/>
-    <p:sldId id="273" r:id="rId10"/>
-    <p:sldId id="274" r:id="rId11"/>
-    <p:sldId id="285" r:id="rId12"/>
-    <p:sldId id="276" r:id="rId13"/>
-    <p:sldId id="282" r:id="rId14"/>
+    <p:sldId id="287" r:id="rId9"/>
+    <p:sldId id="288" r:id="rId10"/>
+    <p:sldId id="284" r:id="rId11"/>
+    <p:sldId id="273" r:id="rId12"/>
+    <p:sldId id="274" r:id="rId13"/>
+    <p:sldId id="285" r:id="rId14"/>
+    <p:sldId id="276" r:id="rId15"/>
+    <p:sldId id="282" r:id="rId16"/>
   </p:sldIdLst>
   <p:sldSz cx="12192000" cy="6858000"/>
   <p:notesSz cx="6858000" cy="9144000"/>
@@ -209,7 +211,7 @@
           <a:p>
             <a:fld id="{BDA51940-DB52-3B48-AABB-9C7938529E4E}" type="datetimeFigureOut">
               <a:rPr kumimoji="1" lang="zh-CN" altLang="en-US" smtClean="0"/>
-              <a:t>2022/11/30</a:t>
+              <a:t>2023/1/4</a:t>
             </a:fld>
             <a:endParaRPr kumimoji="1" lang="zh-CN" altLang="en-US"/>
           </a:p>
@@ -918,7 +920,7 @@
           <a:p>
             <a:fld id="{E4551058-E5DB-324A-A8E9-6D3BEF243C3B}" type="datetimeFigureOut">
               <a:rPr kumimoji="1" lang="zh-CN" altLang="en-US" smtClean="0"/>
-              <a:t>2022/11/30</a:t>
+              <a:t>2023/1/4</a:t>
             </a:fld>
             <a:endParaRPr kumimoji="1" lang="zh-CN" altLang="en-US"/>
           </a:p>
@@ -1200,7 +1202,7 @@
           <a:p>
             <a:fld id="{E4551058-E5DB-324A-A8E9-6D3BEF243C3B}" type="datetimeFigureOut">
               <a:rPr kumimoji="1" lang="zh-CN" altLang="en-US" smtClean="0"/>
-              <a:t>2022/11/30</a:t>
+              <a:t>2023/1/4</a:t>
             </a:fld>
             <a:endParaRPr kumimoji="1" lang="zh-CN" altLang="en-US"/>
           </a:p>
@@ -1422,7 +1424,7 @@
           <a:p>
             <a:fld id="{E4551058-E5DB-324A-A8E9-6D3BEF243C3B}" type="datetimeFigureOut">
               <a:rPr kumimoji="1" lang="zh-CN" altLang="en-US" smtClean="0"/>
-              <a:t>2022/11/30</a:t>
+              <a:t>2023/1/4</a:t>
             </a:fld>
             <a:endParaRPr kumimoji="1" lang="zh-CN" altLang="en-US"/>
           </a:p>
@@ -1696,7 +1698,7 @@
           <a:p>
             <a:fld id="{E4551058-E5DB-324A-A8E9-6D3BEF243C3B}" type="datetimeFigureOut">
               <a:rPr kumimoji="1" lang="zh-CN" altLang="en-US" smtClean="0"/>
-              <a:t>2022/11/30</a:t>
+              <a:t>2023/1/4</a:t>
             </a:fld>
             <a:endParaRPr kumimoji="1" lang="zh-CN" altLang="en-US"/>
           </a:p>
@@ -1953,7 +1955,7 @@
           <a:p>
             <a:fld id="{E4551058-E5DB-324A-A8E9-6D3BEF243C3B}" type="datetimeFigureOut">
               <a:rPr kumimoji="1" lang="zh-CN" altLang="en-US" smtClean="0"/>
-              <a:t>2022/11/30</a:t>
+              <a:t>2023/1/4</a:t>
             </a:fld>
             <a:endParaRPr kumimoji="1" lang="zh-CN" altLang="en-US"/>
           </a:p>
@@ -2152,7 +2154,7 @@
           <a:p>
             <a:fld id="{E4551058-E5DB-324A-A8E9-6D3BEF243C3B}" type="datetimeFigureOut">
               <a:rPr kumimoji="1" lang="zh-CN" altLang="en-US" smtClean="0"/>
-              <a:t>2022/11/30</a:t>
+              <a:t>2023/1/4</a:t>
             </a:fld>
             <a:endParaRPr kumimoji="1" lang="zh-CN" altLang="en-US"/>
           </a:p>
@@ -2725,7 +2727,7 @@
           <a:p>
             <a:fld id="{E4551058-E5DB-324A-A8E9-6D3BEF243C3B}" type="datetimeFigureOut">
               <a:rPr kumimoji="1" lang="zh-CN" altLang="en-US" smtClean="0"/>
-              <a:t>2022/11/30</a:t>
+              <a:t>2023/1/4</a:t>
             </a:fld>
             <a:endParaRPr kumimoji="1" lang="zh-CN" altLang="en-US"/>
           </a:p>
@@ -3019,7 +3021,7 @@
           <a:p>
             <a:fld id="{E4551058-E5DB-324A-A8E9-6D3BEF243C3B}" type="datetimeFigureOut">
               <a:rPr kumimoji="1" lang="zh-CN" altLang="en-US" smtClean="0"/>
-              <a:t>2022/11/30</a:t>
+              <a:t>2023/1/4</a:t>
             </a:fld>
             <a:endParaRPr kumimoji="1" lang="zh-CN" altLang="en-US"/>
           </a:p>
@@ -3402,7 +3404,7 @@
           <a:p>
             <a:fld id="{E4551058-E5DB-324A-A8E9-6D3BEF243C3B}" type="datetimeFigureOut">
               <a:rPr kumimoji="1" lang="zh-CN" altLang="en-US" smtClean="0"/>
-              <a:t>2022/11/30</a:t>
+              <a:t>2023/1/4</a:t>
             </a:fld>
             <a:endParaRPr kumimoji="1" lang="zh-CN" altLang="en-US"/>
           </a:p>
@@ -3525,7 +3527,7 @@
           <a:p>
             <a:fld id="{E4551058-E5DB-324A-A8E9-6D3BEF243C3B}" type="datetimeFigureOut">
               <a:rPr kumimoji="1" lang="zh-CN" altLang="en-US" smtClean="0"/>
-              <a:t>2022/11/30</a:t>
+              <a:t>2023/1/4</a:t>
             </a:fld>
             <a:endParaRPr kumimoji="1" lang="zh-CN" altLang="en-US"/>
           </a:p>
@@ -3648,7 +3650,7 @@
           <a:p>
             <a:fld id="{E4551058-E5DB-324A-A8E9-6D3BEF243C3B}" type="datetimeFigureOut">
               <a:rPr kumimoji="1" lang="zh-CN" altLang="en-US" smtClean="0"/>
-              <a:t>2022/11/30</a:t>
+              <a:t>2023/1/4</a:t>
             </a:fld>
             <a:endParaRPr kumimoji="1" lang="zh-CN" altLang="en-US"/>
           </a:p>
@@ -4098,7 +4100,7 @@
           <a:p>
             <a:fld id="{E4551058-E5DB-324A-A8E9-6D3BEF243C3B}" type="datetimeFigureOut">
               <a:rPr kumimoji="1" lang="zh-CN" altLang="en-US" smtClean="0"/>
-              <a:t>2022/11/30</a:t>
+              <a:t>2023/1/4</a:t>
             </a:fld>
             <a:endParaRPr kumimoji="1" lang="zh-CN" altLang="en-US"/>
           </a:p>
@@ -4405,7 +4407,7 @@
           <a:p>
             <a:fld id="{E4551058-E5DB-324A-A8E9-6D3BEF243C3B}" type="datetimeFigureOut">
               <a:rPr kumimoji="1" lang="zh-CN" altLang="en-US" smtClean="0"/>
-              <a:t>2022/11/30</a:t>
+              <a:t>2023/1/4</a:t>
             </a:fld>
             <a:endParaRPr kumimoji="1" lang="zh-CN" altLang="en-US"/>
           </a:p>
@@ -5155,112 +5157,12 @@
       </p:grpSpPr>
       <p:sp>
         <p:nvSpPr>
-          <p:cNvPr id="2" name="内容占位符 1">
-            <a:extLst>
-              <a:ext uri="{FF2B5EF4-FFF2-40B4-BE49-F238E27FC236}">
-                <a16:creationId xmlns:a16="http://schemas.microsoft.com/office/drawing/2014/main" id="{D148AE7E-03F7-784C-A5DF-68B3E60891A4}"/>
-              </a:ext>
-            </a:extLst>
-          </p:cNvPr>
-          <p:cNvSpPr>
-            <a:spLocks noGrp="1"/>
-          </p:cNvSpPr>
-          <p:nvPr>
-            <p:ph idx="1"/>
-          </p:nvPr>
-        </p:nvSpPr>
-        <p:spPr/>
-        <p:txBody>
-          <a:bodyPr>
-            <a:normAutofit/>
-          </a:bodyPr>
-          <a:lstStyle/>
-          <a:p>
-            <a:r>
-              <a:rPr kumimoji="1" lang="zh-CN" altLang="en-US" dirty="0"/>
-              <a:t>向 </a:t>
-            </a:r>
-            <a:r>
-              <a:rPr kumimoji="1" lang="en-US" altLang="zh-CN" dirty="0" err="1"/>
-              <a:t>monoRCore</a:t>
-            </a:r>
-            <a:r>
-              <a:rPr kumimoji="1" lang="zh-CN" altLang="en-US" dirty="0"/>
-              <a:t> 中添加页面置换模块</a:t>
-            </a:r>
-            <a:endParaRPr kumimoji="1" lang="en-US" altLang="zh-CN" dirty="0"/>
-          </a:p>
-          <a:p>
-            <a:pPr lvl="1"/>
-            <a:r>
-              <a:rPr lang="zh-CN" altLang="en-US" dirty="0"/>
-              <a:t>设计页面置换模块对外提供的接口</a:t>
-            </a:r>
-            <a:endParaRPr lang="en-US" altLang="zh-CN" dirty="0"/>
-          </a:p>
-          <a:p>
-            <a:pPr lvl="2"/>
-            <a:r>
-              <a:rPr lang="zh-CN" altLang="en-US" dirty="0"/>
-              <a:t>访问（读写）页面的接口</a:t>
-            </a:r>
-            <a:endParaRPr lang="en-US" altLang="zh-CN" dirty="0"/>
-          </a:p>
-          <a:p>
-            <a:pPr lvl="1"/>
-            <a:r>
-              <a:rPr lang="zh-CN" altLang="en-US" dirty="0"/>
-              <a:t>设计内部抽象接口</a:t>
-            </a:r>
-            <a:endParaRPr lang="en-US" altLang="zh-CN" dirty="0"/>
-          </a:p>
-          <a:p>
-            <a:pPr lvl="2"/>
-            <a:r>
-              <a:rPr lang="zh-CN" altLang="en-US" dirty="0"/>
-              <a:t>根据页面队列，进行页面替换的接口：缺页时的强制替换 和 每次页面访问后 的选择替换</a:t>
-            </a:r>
-            <a:endParaRPr lang="en-US" altLang="zh-CN" dirty="0"/>
-          </a:p>
-          <a:p>
-            <a:pPr lvl="1"/>
-            <a:r>
-              <a:rPr kumimoji="1" lang="zh-CN" altLang="en-US" dirty="0"/>
-              <a:t>设计其他模块提供给页面置换模块的接口</a:t>
-            </a:r>
-            <a:endParaRPr kumimoji="1" lang="en-US" altLang="zh-CN" dirty="0"/>
-          </a:p>
-          <a:p>
-            <a:pPr lvl="2"/>
-            <a:r>
-              <a:rPr kumimoji="1" lang="zh-CN" altLang="en-US" dirty="0"/>
-              <a:t>读取、创建页面的接口，写回的接口</a:t>
-            </a:r>
-            <a:endParaRPr kumimoji="1" lang="en-US" altLang="zh-CN" dirty="0"/>
-          </a:p>
-          <a:p>
-            <a:r>
-              <a:rPr kumimoji="1" lang="zh-CN" altLang="en-US" dirty="0"/>
-              <a:t>允许用户通过设置编译配置，选择其想用的页面置换算法，或者不采用任何页面置换算法</a:t>
-            </a:r>
-            <a:endParaRPr kumimoji="1" lang="en-US" altLang="zh-CN" dirty="0"/>
-          </a:p>
-        </p:txBody>
-      </p:sp>
-      <p:sp>
-        <p:nvSpPr>
-          <p:cNvPr id="3" name="标题 2">
-            <a:extLst>
-              <a:ext uri="{FF2B5EF4-FFF2-40B4-BE49-F238E27FC236}">
-                <a16:creationId xmlns:a16="http://schemas.microsoft.com/office/drawing/2014/main" id="{EEA42E42-C369-B047-8B16-6C19B86AD39D}"/>
-              </a:ext>
-            </a:extLst>
-          </p:cNvPr>
-          <p:cNvSpPr>
-            <a:spLocks noGrp="1"/>
-          </p:cNvSpPr>
-          <p:nvPr>
-            <p:ph type="title"/>
+          <p:cNvPr id="2" name="标题 1"/>
+          <p:cNvSpPr>
+            <a:spLocks noGrp="1"/>
+          </p:cNvSpPr>
+          <p:nvPr>
+            <p:ph type="ctrTitle"/>
           </p:nvPr>
         </p:nvSpPr>
         <p:spPr/>
@@ -5268,17 +5170,37 @@
           <a:bodyPr/>
           <a:lstStyle/>
           <a:p>
-            <a:r>
-              <a:rPr kumimoji="1" lang="zh-CN" altLang="en-US" dirty="0"/>
-              <a:t>设计任务：页面置换模块</a:t>
-            </a:r>
+            <a:pPr algn="ctr"/>
+            <a:r>
+              <a:rPr lang="zh-CN" altLang="en-US" dirty="0"/>
+              <a:t>设计任务</a:t>
+            </a:r>
+          </a:p>
+        </p:txBody>
+      </p:sp>
+      <p:sp>
+        <p:nvSpPr>
+          <p:cNvPr id="3" name="副标题 2"/>
+          <p:cNvSpPr>
+            <a:spLocks noGrp="1"/>
+          </p:cNvSpPr>
+          <p:nvPr>
+            <p:ph type="subTitle" idx="1"/>
+          </p:nvPr>
+        </p:nvSpPr>
+        <p:spPr/>
+        <p:txBody>
+          <a:bodyPr/>
+          <a:lstStyle/>
+          <a:p>
+            <a:endParaRPr lang="zh-CN" altLang="en-US" dirty="0"/>
           </a:p>
         </p:txBody>
       </p:sp>
     </p:spTree>
     <p:extLst>
       <p:ext uri="{BB962C8B-B14F-4D97-AF65-F5344CB8AC3E}">
-        <p14:creationId xmlns:p14="http://schemas.microsoft.com/office/powerpoint/2010/main" val="3855329093"/>
+        <p14:creationId xmlns:p14="http://schemas.microsoft.com/office/powerpoint/2010/main" val="1657923796"/>
       </p:ext>
     </p:extLst>
   </p:cSld>
@@ -5307,12 +5229,172 @@
       </p:grpSpPr>
       <p:sp>
         <p:nvSpPr>
-          <p:cNvPr id="2" name="标题 1"/>
-          <p:cNvSpPr>
-            <a:spLocks noGrp="1"/>
-          </p:cNvSpPr>
-          <p:nvPr>
-            <p:ph type="ctrTitle"/>
+          <p:cNvPr id="2" name="内容占位符 1">
+            <a:extLst>
+              <a:ext uri="{FF2B5EF4-FFF2-40B4-BE49-F238E27FC236}">
+                <a16:creationId xmlns:a16="http://schemas.microsoft.com/office/drawing/2014/main" id="{C3A81F96-A35B-3E4D-A168-51446EB32946}"/>
+              </a:ext>
+            </a:extLst>
+          </p:cNvPr>
+          <p:cNvSpPr>
+            <a:spLocks noGrp="1"/>
+          </p:cNvSpPr>
+          <p:nvPr>
+            <p:ph idx="1"/>
+          </p:nvPr>
+        </p:nvSpPr>
+        <p:spPr/>
+        <p:txBody>
+          <a:bodyPr>
+            <a:normAutofit/>
+          </a:bodyPr>
+          <a:lstStyle/>
+          <a:p>
+            <a:r>
+              <a:rPr kumimoji="1" lang="zh-CN" altLang="en-US" dirty="0"/>
+              <a:t>向 </a:t>
+            </a:r>
+            <a:r>
+              <a:rPr kumimoji="1" lang="en-US" altLang="zh-CN" dirty="0" err="1"/>
+              <a:t>monoRCore</a:t>
+            </a:r>
+            <a:r>
+              <a:rPr kumimoji="1" lang="zh-CN" altLang="en-US" dirty="0"/>
+              <a:t> 中添加调度模块</a:t>
+            </a:r>
+            <a:endParaRPr kumimoji="1" lang="en-US" altLang="zh-CN" dirty="0"/>
+          </a:p>
+          <a:p>
+            <a:pPr lvl="1"/>
+            <a:r>
+              <a:rPr lang="zh-CN" altLang="en-US" dirty="0"/>
+              <a:t>设计调度模块对外提供的接口</a:t>
+            </a:r>
+            <a:endParaRPr lang="en-US" altLang="zh-CN" dirty="0"/>
+          </a:p>
+          <a:p>
+            <a:pPr lvl="2"/>
+            <a:r>
+              <a:rPr lang="zh-CN" altLang="en-US" dirty="0"/>
+              <a:t>进程切换时，给定当前任务池和被切换的任务，选择下一个被执行的任务</a:t>
+            </a:r>
+            <a:endParaRPr lang="en-US" altLang="zh-CN" dirty="0"/>
+          </a:p>
+          <a:p>
+            <a:pPr lvl="2"/>
+            <a:r>
+              <a:rPr lang="zh-CN" altLang="en-US" dirty="0"/>
+              <a:t>提供线程</a:t>
+            </a:r>
+            <a:r>
+              <a:rPr lang="en-US" altLang="zh-CN" dirty="0"/>
+              <a:t>/</a:t>
+            </a:r>
+            <a:r>
+              <a:rPr lang="zh-CN" altLang="en-US" dirty="0"/>
+              <a:t>进程生命周期钩子（</a:t>
+            </a:r>
+            <a:r>
+              <a:rPr lang="en-US" altLang="zh-CN" dirty="0"/>
+              <a:t>hook</a:t>
+            </a:r>
+            <a:r>
+              <a:rPr lang="zh-CN" altLang="en-US" dirty="0"/>
+              <a:t>），在线程</a:t>
+            </a:r>
+            <a:r>
+              <a:rPr lang="en-US" altLang="zh-CN" dirty="0"/>
+              <a:t>/</a:t>
+            </a:r>
+            <a:r>
+              <a:rPr lang="zh-CN" altLang="en-US" dirty="0"/>
+              <a:t>进程创建、切换、结束时更新调度模块中存储的信息</a:t>
+            </a:r>
+            <a:endParaRPr lang="en-US" altLang="zh-CN" dirty="0"/>
+          </a:p>
+          <a:p>
+            <a:pPr lvl="1"/>
+            <a:r>
+              <a:rPr kumimoji="1" lang="zh-CN" altLang="en-US" dirty="0"/>
+              <a:t>设计其他模块提供给调度模块的接口</a:t>
+            </a:r>
+            <a:endParaRPr kumimoji="1" lang="en-US" altLang="zh-CN" dirty="0"/>
+          </a:p>
+          <a:p>
+            <a:pPr lvl="2"/>
+            <a:r>
+              <a:rPr kumimoji="1" lang="zh-CN" altLang="en-US" dirty="0"/>
+              <a:t>调度模块根据线程</a:t>
+            </a:r>
+            <a:r>
+              <a:rPr kumimoji="1" lang="en-US" altLang="zh-CN" dirty="0"/>
+              <a:t>/</a:t>
+            </a:r>
+            <a:r>
+              <a:rPr kumimoji="1" lang="zh-CN" altLang="en-US" dirty="0"/>
+              <a:t>进程</a:t>
+            </a:r>
+            <a:r>
+              <a:rPr kumimoji="1" lang="en-US" altLang="zh-CN" dirty="0"/>
+              <a:t>ID</a:t>
+            </a:r>
+            <a:r>
+              <a:rPr kumimoji="1" lang="zh-CN" altLang="en-US" dirty="0"/>
+              <a:t>，维护必需的任务调度块扩展内容</a:t>
+            </a:r>
+            <a:endParaRPr kumimoji="1" lang="en-US" altLang="zh-CN" dirty="0"/>
+          </a:p>
+          <a:p>
+            <a:pPr lvl="2"/>
+            <a:r>
+              <a:rPr kumimoji="1" lang="zh-CN" altLang="en-US" dirty="0"/>
+              <a:t>允许调度模块扩展 </a:t>
+            </a:r>
+            <a:r>
+              <a:rPr kumimoji="1" lang="en-US" altLang="zh-CN" dirty="0" err="1"/>
+              <a:t>syscall</a:t>
+            </a:r>
+            <a:r>
+              <a:rPr kumimoji="1" lang="zh-CN" altLang="en-US" dirty="0"/>
+              <a:t> 部分：如添加 </a:t>
+            </a:r>
+            <a:r>
+              <a:rPr kumimoji="1" lang="en-US" altLang="zh-CN" dirty="0" err="1"/>
+              <a:t>set_priority</a:t>
+            </a:r>
+            <a:r>
+              <a:rPr kumimoji="1" lang="zh-CN" altLang="en-US" dirty="0"/>
+              <a:t> </a:t>
+            </a:r>
+            <a:endParaRPr kumimoji="1" lang="en-US" altLang="zh-CN" dirty="0"/>
+          </a:p>
+          <a:p>
+            <a:r>
+              <a:rPr kumimoji="1" lang="zh-CN" altLang="en-US" dirty="0"/>
+              <a:t>允许用户通过设置编译配置，选择其想用的调度算法</a:t>
+            </a:r>
+            <a:endParaRPr kumimoji="1" lang="en-US" altLang="zh-CN" dirty="0"/>
+          </a:p>
+          <a:p>
+            <a:pPr lvl="1"/>
+            <a:endParaRPr kumimoji="1" lang="en-US" altLang="zh-CN" dirty="0"/>
+          </a:p>
+        </p:txBody>
+      </p:sp>
+      <p:sp>
+        <p:nvSpPr>
+          <p:cNvPr id="3" name="标题 2">
+            <a:extLst>
+              <a:ext uri="{FF2B5EF4-FFF2-40B4-BE49-F238E27FC236}">
+                <a16:creationId xmlns:a16="http://schemas.microsoft.com/office/drawing/2014/main" id="{185CD80B-DAC0-CD44-BDEA-EC751F068655}"/>
+              </a:ext>
+            </a:extLst>
+          </p:cNvPr>
+          <p:cNvSpPr>
+            <a:spLocks noGrp="1"/>
+          </p:cNvSpPr>
+          <p:nvPr>
+            <p:ph type="title"/>
           </p:nvPr>
         </p:nvSpPr>
         <p:spPr/>
@@ -5320,37 +5402,17 @@
           <a:bodyPr/>
           <a:lstStyle/>
           <a:p>
-            <a:pPr algn="ctr"/>
-            <a:r>
-              <a:rPr lang="zh-CN" altLang="en-US" dirty="0"/>
-              <a:t>设计规划</a:t>
-            </a:r>
-          </a:p>
-        </p:txBody>
-      </p:sp>
-      <p:sp>
-        <p:nvSpPr>
-          <p:cNvPr id="3" name="副标题 2"/>
-          <p:cNvSpPr>
-            <a:spLocks noGrp="1"/>
-          </p:cNvSpPr>
-          <p:nvPr>
-            <p:ph type="subTitle" idx="1"/>
-          </p:nvPr>
-        </p:nvSpPr>
-        <p:spPr/>
-        <p:txBody>
-          <a:bodyPr/>
-          <a:lstStyle/>
-          <a:p>
-            <a:endParaRPr lang="zh-CN" altLang="en-US" dirty="0"/>
+            <a:r>
+              <a:rPr kumimoji="1" lang="zh-CN" altLang="en-US" dirty="0"/>
+              <a:t>设计任务：调度模块</a:t>
+            </a:r>
           </a:p>
         </p:txBody>
       </p:sp>
     </p:spTree>
     <p:extLst>
       <p:ext uri="{BB962C8B-B14F-4D97-AF65-F5344CB8AC3E}">
-        <p14:creationId xmlns:p14="http://schemas.microsoft.com/office/powerpoint/2010/main" val="379167543"/>
+        <p14:creationId xmlns:p14="http://schemas.microsoft.com/office/powerpoint/2010/main" val="1476961065"/>
       </p:ext>
     </p:extLst>
   </p:cSld>
@@ -5382,7 +5444,7 @@
           <p:cNvPr id="2" name="内容占位符 1">
             <a:extLst>
               <a:ext uri="{FF2B5EF4-FFF2-40B4-BE49-F238E27FC236}">
-                <a16:creationId xmlns:a16="http://schemas.microsoft.com/office/drawing/2014/main" id="{543E5C7F-B88D-8D47-894D-79CCCD0A0434}"/>
+                <a16:creationId xmlns:a16="http://schemas.microsoft.com/office/drawing/2014/main" id="{D148AE7E-03F7-784C-A5DF-68B3E60891A4}"/>
               </a:ext>
             </a:extLst>
           </p:cNvPr>
@@ -5393,12 +5455,7 @@
             <p:ph idx="1"/>
           </p:nvPr>
         </p:nvSpPr>
-        <p:spPr>
-          <a:xfrm>
-            <a:off x="835307" y="2048614"/>
-            <a:ext cx="10521387" cy="3678303"/>
-          </a:xfrm>
-        </p:spPr>
+        <p:spPr/>
         <p:txBody>
           <a:bodyPr>
             <a:normAutofit/>
@@ -5407,23 +5464,38 @@
           <a:p>
             <a:r>
               <a:rPr kumimoji="1" lang="zh-CN" altLang="en-US" dirty="0"/>
-              <a:t>开题</a:t>
+              <a:t>完善 </a:t>
+            </a:r>
+            <a:r>
+              <a:rPr kumimoji="1" lang="en-US" altLang="zh-CN" dirty="0" err="1"/>
+              <a:t>syscall</a:t>
+            </a:r>
+            <a:r>
+              <a:rPr kumimoji="1" lang="zh-CN" altLang="en-US" dirty="0"/>
+              <a:t> 模块，增加 </a:t>
             </a:r>
             <a:r>
               <a:rPr kumimoji="1" lang="en-US" altLang="zh-CN" dirty="0"/>
-              <a:t>——</a:t>
-            </a:r>
-            <a:r>
-              <a:rPr kumimoji="1" lang="zh-CN" altLang="en-US" dirty="0"/>
-              <a:t>第二周</a:t>
+              <a:t>map</a:t>
+            </a:r>
+            <a:r>
+              <a:rPr kumimoji="1" lang="zh-CN" altLang="en-US" dirty="0"/>
+              <a:t> 和 </a:t>
+            </a:r>
+            <a:r>
+              <a:rPr kumimoji="1" lang="en-US" altLang="zh-CN" dirty="0" err="1"/>
+              <a:t>unmap</a:t>
+            </a:r>
+            <a:r>
+              <a:rPr kumimoji="1" lang="zh-CN" altLang="en-US" dirty="0"/>
+              <a:t> 系统调用</a:t>
             </a:r>
             <a:endParaRPr kumimoji="1" lang="en-US" altLang="zh-CN" dirty="0"/>
           </a:p>
           <a:p>
-            <a:pPr lvl="1"/>
-            <a:r>
-              <a:rPr kumimoji="1" lang="zh-CN" altLang="en-US" dirty="0"/>
-              <a:t>阅读 </a:t>
+            <a:r>
+              <a:rPr kumimoji="1" lang="zh-CN" altLang="en-US" dirty="0"/>
+              <a:t>向 </a:t>
             </a:r>
             <a:r>
               <a:rPr kumimoji="1" lang="en-US" altLang="zh-CN" dirty="0" err="1"/>
@@ -5431,99 +5503,53 @@
             </a:r>
             <a:r>
               <a:rPr kumimoji="1" lang="zh-CN" altLang="en-US" dirty="0"/>
-              <a:t> 和其他前序工作的相关代码，初步设计模块接口和模块接入方案</a:t>
+              <a:t> 中添加页面置换模块</a:t>
             </a:r>
             <a:endParaRPr kumimoji="1" lang="en-US" altLang="zh-CN" dirty="0"/>
           </a:p>
           <a:p>
-            <a:r>
-              <a:rPr kumimoji="1" lang="zh-CN" altLang="en-US" dirty="0"/>
-              <a:t>第二周</a:t>
-            </a:r>
-            <a:r>
-              <a:rPr kumimoji="1" lang="en-US" altLang="zh-CN" dirty="0"/>
-              <a:t>——</a:t>
-            </a:r>
-            <a:r>
-              <a:rPr kumimoji="1" lang="zh-CN" altLang="en-US" dirty="0"/>
-              <a:t>中期前后</a:t>
+            <a:pPr lvl="1"/>
+            <a:r>
+              <a:rPr lang="zh-CN" altLang="en-US" dirty="0"/>
+              <a:t>设计页面置换模块对外提供的接口</a:t>
+            </a:r>
+            <a:endParaRPr lang="en-US" altLang="zh-CN" dirty="0"/>
+          </a:p>
+          <a:p>
+            <a:pPr lvl="2"/>
+            <a:r>
+              <a:rPr lang="en-US" altLang="zh-CN" dirty="0" err="1"/>
+              <a:t>PageFault</a:t>
+            </a:r>
+            <a:r>
+              <a:rPr lang="zh-CN" altLang="en-US" dirty="0"/>
+              <a:t> 处理接口</a:t>
+            </a:r>
+            <a:endParaRPr lang="en-US" altLang="zh-CN" dirty="0"/>
+          </a:p>
+          <a:p>
+            <a:pPr lvl="2"/>
+            <a:r>
+              <a:rPr lang="zh-CN" altLang="en-US" dirty="0"/>
+              <a:t>读取、写入、创建页面的 页面生命周期钩子（</a:t>
+            </a:r>
+            <a:r>
+              <a:rPr lang="en-US" altLang="zh-CN" dirty="0"/>
+              <a:t>hook</a:t>
+            </a:r>
+            <a:r>
+              <a:rPr lang="zh-CN" altLang="en-US" dirty="0"/>
+              <a:t>）</a:t>
+            </a:r>
+            <a:endParaRPr lang="en-US" altLang="zh-CN" dirty="0"/>
+          </a:p>
+          <a:p>
+            <a:r>
+              <a:rPr kumimoji="1" lang="zh-CN" altLang="en-US" dirty="0"/>
+              <a:t>允许用户通过设置编译配置，选择其想用的页面置换算法，或者不采用任何页面置换算法</a:t>
             </a:r>
             <a:endParaRPr kumimoji="1" lang="en-US" altLang="zh-CN" dirty="0"/>
           </a:p>
-          <a:p>
-            <a:pPr lvl="1"/>
-            <a:r>
-              <a:rPr kumimoji="1" lang="zh-CN" altLang="en-US" dirty="0"/>
-              <a:t>实现调度模块</a:t>
-            </a:r>
-            <a:endParaRPr kumimoji="1" lang="en-US" altLang="zh-CN" dirty="0"/>
-          </a:p>
-          <a:p>
-            <a:r>
-              <a:rPr kumimoji="1" lang="zh-CN" altLang="en-US" dirty="0"/>
-              <a:t>中期</a:t>
-            </a:r>
-            <a:r>
-              <a:rPr kumimoji="1" lang="en-US" altLang="zh-CN" dirty="0"/>
-              <a:t>——9</a:t>
-            </a:r>
-            <a:r>
-              <a:rPr kumimoji="1" lang="zh-CN" altLang="en-US" dirty="0"/>
-              <a:t>周</a:t>
-            </a:r>
-            <a:endParaRPr kumimoji="1" lang="en-US" altLang="zh-CN" dirty="0"/>
-          </a:p>
-          <a:p>
-            <a:pPr lvl="1"/>
-            <a:r>
-              <a:rPr kumimoji="1" lang="zh-CN" altLang="en-US" dirty="0"/>
-              <a:t>实现页面置换模块</a:t>
-            </a:r>
-            <a:endParaRPr kumimoji="1" lang="en-US" altLang="zh-CN" dirty="0"/>
-          </a:p>
-          <a:p>
-            <a:r>
-              <a:rPr kumimoji="1" lang="en-US" altLang="zh-CN" dirty="0"/>
-              <a:t>9</a:t>
-            </a:r>
-            <a:r>
-              <a:rPr kumimoji="1" lang="zh-CN" altLang="en-US" dirty="0"/>
-              <a:t>周</a:t>
-            </a:r>
-            <a:r>
-              <a:rPr kumimoji="1" lang="en-US" altLang="zh-CN" dirty="0"/>
-              <a:t>——15</a:t>
-            </a:r>
-            <a:r>
-              <a:rPr kumimoji="1" lang="zh-CN" altLang="en-US" dirty="0"/>
-              <a:t>周</a:t>
-            </a:r>
-            <a:endParaRPr kumimoji="1" lang="en-US" altLang="zh-CN" dirty="0"/>
-          </a:p>
-          <a:p>
-            <a:pPr lvl="1"/>
-            <a:r>
-              <a:rPr kumimoji="1" lang="zh-CN" altLang="en-US" dirty="0"/>
-              <a:t>完善相关模块的实现，测试编译配置下的 </a:t>
-            </a:r>
-            <a:r>
-              <a:rPr kumimoji="1" lang="en-US" altLang="zh-CN" dirty="0" err="1"/>
-              <a:t>monoRCore</a:t>
-            </a:r>
-            <a:r>
-              <a:rPr kumimoji="1" lang="zh-CN" altLang="en-US" dirty="0"/>
-              <a:t> 在相关测试程序上的表现</a:t>
-            </a:r>
-            <a:endParaRPr kumimoji="1" lang="en-US" altLang="zh-CN" dirty="0"/>
-          </a:p>
-          <a:p>
-            <a:pPr lvl="1"/>
-            <a:r>
-              <a:rPr kumimoji="1" lang="zh-CN" altLang="en-US" dirty="0"/>
-              <a:t>撰写论文</a:t>
-            </a:r>
-            <a:endParaRPr kumimoji="1" lang="en-US" altLang="zh-CN" dirty="0"/>
-          </a:p>
         </p:txBody>
       </p:sp>
       <p:sp>
@@ -5531,7 +5557,7 @@
           <p:cNvPr id="3" name="标题 2">
             <a:extLst>
               <a:ext uri="{FF2B5EF4-FFF2-40B4-BE49-F238E27FC236}">
-                <a16:creationId xmlns:a16="http://schemas.microsoft.com/office/drawing/2014/main" id="{8F4AC9EC-3C3A-F146-A772-6BB54F637E18}"/>
+                <a16:creationId xmlns:a16="http://schemas.microsoft.com/office/drawing/2014/main" id="{EEA42E42-C369-B047-8B16-6C19B86AD39D}"/>
               </a:ext>
             </a:extLst>
           </p:cNvPr>
@@ -5549,7 +5575,7 @@
           <a:p>
             <a:r>
               <a:rPr kumimoji="1" lang="zh-CN" altLang="en-US" dirty="0"/>
-              <a:t>设计规划</a:t>
+              <a:t>设计任务：页面置换模块</a:t>
             </a:r>
           </a:p>
         </p:txBody>
@@ -5557,7 +5583,7 @@
     </p:spTree>
     <p:extLst>
       <p:ext uri="{BB962C8B-B14F-4D97-AF65-F5344CB8AC3E}">
-        <p14:creationId xmlns:p14="http://schemas.microsoft.com/office/powerpoint/2010/main" val="3471432469"/>
+        <p14:creationId xmlns:p14="http://schemas.microsoft.com/office/powerpoint/2010/main" val="3855329093"/>
       </p:ext>
     </p:extLst>
   </p:cSld>
@@ -5586,13 +5612,7 @@
       </p:grpSpPr>
       <p:sp>
         <p:nvSpPr>
-          <p:cNvPr id="4" name="标题 3">
-            <a:extLst>
-              <a:ext uri="{FF2B5EF4-FFF2-40B4-BE49-F238E27FC236}">
-                <a16:creationId xmlns:a16="http://schemas.microsoft.com/office/drawing/2014/main" id="{0D06B8AA-CA7A-8C42-B072-3794DD9BC7B6}"/>
-              </a:ext>
-            </a:extLst>
-          </p:cNvPr>
+          <p:cNvPr id="2" name="标题 1"/>
           <p:cNvSpPr>
             <a:spLocks noGrp="1"/>
           </p:cNvSpPr>
@@ -5607,18 +5627,67 @@
           <a:p>
             <a:pPr algn="ctr"/>
             <a:r>
-              <a:rPr kumimoji="1" lang="zh-CN" altLang="en-US" dirty="0"/>
-              <a:t>谢谢！</a:t>
-            </a:r>
-          </a:p>
-        </p:txBody>
-      </p:sp>
-      <p:sp>
-        <p:nvSpPr>
-          <p:cNvPr id="5" name="副标题 4">
+              <a:rPr lang="zh-CN" altLang="en-US" dirty="0"/>
+              <a:t>设计规划</a:t>
+            </a:r>
+          </a:p>
+        </p:txBody>
+      </p:sp>
+      <p:sp>
+        <p:nvSpPr>
+          <p:cNvPr id="3" name="副标题 2"/>
+          <p:cNvSpPr>
+            <a:spLocks noGrp="1"/>
+          </p:cNvSpPr>
+          <p:nvPr>
+            <p:ph type="subTitle" idx="1"/>
+          </p:nvPr>
+        </p:nvSpPr>
+        <p:spPr/>
+        <p:txBody>
+          <a:bodyPr/>
+          <a:lstStyle/>
+          <a:p>
+            <a:endParaRPr lang="zh-CN" altLang="en-US" dirty="0"/>
+          </a:p>
+        </p:txBody>
+      </p:sp>
+    </p:spTree>
+    <p:extLst>
+      <p:ext uri="{BB962C8B-B14F-4D97-AF65-F5344CB8AC3E}">
+        <p14:creationId xmlns:p14="http://schemas.microsoft.com/office/powerpoint/2010/main" val="379167543"/>
+      </p:ext>
+    </p:extLst>
+  </p:cSld>
+  <p:clrMapOvr>
+    <a:masterClrMapping/>
+  </p:clrMapOvr>
+</p:sld>
+</file>
+
+<file path=ppt/slides/slide14.xml><?xml version="1.0" encoding="utf-8"?>
+<p:sld xmlns:a="http://schemas.openxmlformats.org/drawingml/2006/main" xmlns:r="http://schemas.openxmlformats.org/officeDocument/2006/relationships" xmlns:p="http://schemas.openxmlformats.org/presentationml/2006/main">
+  <p:cSld>
+    <p:spTree>
+      <p:nvGrpSpPr>
+        <p:cNvPr id="1" name=""/>
+        <p:cNvGrpSpPr/>
+        <p:nvPr/>
+      </p:nvGrpSpPr>
+      <p:grpSpPr>
+        <a:xfrm>
+          <a:off x="0" y="0"/>
+          <a:ext cx="0" cy="0"/>
+          <a:chOff x="0" y="0"/>
+          <a:chExt cx="0" cy="0"/>
+        </a:xfrm>
+      </p:grpSpPr>
+      <p:sp>
+        <p:nvSpPr>
+          <p:cNvPr id="2" name="内容占位符 1">
             <a:extLst>
               <a:ext uri="{FF2B5EF4-FFF2-40B4-BE49-F238E27FC236}">
-                <a16:creationId xmlns:a16="http://schemas.microsoft.com/office/drawing/2014/main" id="{9BD15F6B-1CAD-F04B-84C4-3F60B7DC4508}"/>
+                <a16:creationId xmlns:a16="http://schemas.microsoft.com/office/drawing/2014/main" id="{543E5C7F-B88D-8D47-894D-79CCCD0A0434}"/>
               </a:ext>
             </a:extLst>
           </p:cNvPr>
@@ -5626,17 +5695,226 @@
             <a:spLocks noGrp="1"/>
           </p:cNvSpPr>
           <p:nvPr>
-            <p:ph type="subTitle" idx="1"/>
-          </p:nvPr>
-        </p:nvSpPr>
-        <p:spPr/>
+            <p:ph idx="1"/>
+          </p:nvPr>
+        </p:nvSpPr>
+        <p:spPr>
+          <a:xfrm>
+            <a:off x="835307" y="2048614"/>
+            <a:ext cx="10521387" cy="3678303"/>
+          </a:xfrm>
+        </p:spPr>
         <p:txBody>
           <a:bodyPr>
             <a:normAutofit/>
           </a:bodyPr>
           <a:lstStyle/>
           <a:p>
-            <a:endParaRPr kumimoji="1" lang="zh-CN" altLang="en-US" dirty="0"/>
+            <a:r>
+              <a:rPr kumimoji="1" lang="zh-CN" altLang="en-US" dirty="0"/>
+              <a:t>开题</a:t>
+            </a:r>
+            <a:r>
+              <a:rPr kumimoji="1" lang="en-US" altLang="zh-CN" dirty="0"/>
+              <a:t>——</a:t>
+            </a:r>
+            <a:r>
+              <a:rPr kumimoji="1" lang="zh-CN" altLang="en-US" dirty="0"/>
+              <a:t>第二周</a:t>
+            </a:r>
+            <a:endParaRPr kumimoji="1" lang="en-US" altLang="zh-CN" dirty="0"/>
+          </a:p>
+          <a:p>
+            <a:pPr lvl="1"/>
+            <a:r>
+              <a:rPr kumimoji="1" lang="zh-CN" altLang="en-US" dirty="0"/>
+              <a:t>阅读 </a:t>
+            </a:r>
+            <a:r>
+              <a:rPr kumimoji="1" lang="en-US" altLang="zh-CN" dirty="0" err="1"/>
+              <a:t>monoRCore</a:t>
+            </a:r>
+            <a:r>
+              <a:rPr kumimoji="1" lang="zh-CN" altLang="en-US" dirty="0"/>
+              <a:t> 和其他前序工作的相关代码，初步设计模块接口和模块接入方案</a:t>
+            </a:r>
+            <a:endParaRPr kumimoji="1" lang="en-US" altLang="zh-CN" dirty="0"/>
+          </a:p>
+          <a:p>
+            <a:r>
+              <a:rPr kumimoji="1" lang="zh-CN" altLang="en-US" dirty="0"/>
+              <a:t>第二周</a:t>
+            </a:r>
+            <a:r>
+              <a:rPr kumimoji="1" lang="en-US" altLang="zh-CN" dirty="0"/>
+              <a:t>——</a:t>
+            </a:r>
+            <a:r>
+              <a:rPr kumimoji="1" lang="zh-CN" altLang="en-US" dirty="0"/>
+              <a:t>中期前后</a:t>
+            </a:r>
+            <a:endParaRPr kumimoji="1" lang="en-US" altLang="zh-CN" dirty="0"/>
+          </a:p>
+          <a:p>
+            <a:pPr lvl="1"/>
+            <a:r>
+              <a:rPr kumimoji="1" lang="zh-CN" altLang="en-US" dirty="0"/>
+              <a:t>实现调度模块</a:t>
+            </a:r>
+            <a:endParaRPr kumimoji="1" lang="en-US" altLang="zh-CN" dirty="0"/>
+          </a:p>
+          <a:p>
+            <a:r>
+              <a:rPr kumimoji="1" lang="zh-CN" altLang="en-US" dirty="0"/>
+              <a:t>中期</a:t>
+            </a:r>
+            <a:r>
+              <a:rPr kumimoji="1" lang="en-US" altLang="zh-CN" dirty="0"/>
+              <a:t>——9</a:t>
+            </a:r>
+            <a:r>
+              <a:rPr kumimoji="1" lang="zh-CN" altLang="en-US" dirty="0"/>
+              <a:t>周</a:t>
+            </a:r>
+            <a:endParaRPr kumimoji="1" lang="en-US" altLang="zh-CN" dirty="0"/>
+          </a:p>
+          <a:p>
+            <a:pPr lvl="1"/>
+            <a:r>
+              <a:rPr kumimoji="1" lang="zh-CN" altLang="en-US" dirty="0"/>
+              <a:t>实现页面置换模块</a:t>
+            </a:r>
+            <a:endParaRPr kumimoji="1" lang="en-US" altLang="zh-CN" dirty="0"/>
+          </a:p>
+          <a:p>
+            <a:r>
+              <a:rPr kumimoji="1" lang="en-US" altLang="zh-CN" dirty="0"/>
+              <a:t>9</a:t>
+            </a:r>
+            <a:r>
+              <a:rPr kumimoji="1" lang="zh-CN" altLang="en-US" dirty="0"/>
+              <a:t>周</a:t>
+            </a:r>
+            <a:r>
+              <a:rPr kumimoji="1" lang="en-US" altLang="zh-CN" dirty="0"/>
+              <a:t>——15</a:t>
+            </a:r>
+            <a:r>
+              <a:rPr kumimoji="1" lang="zh-CN" altLang="en-US" dirty="0"/>
+              <a:t>周</a:t>
+            </a:r>
+            <a:endParaRPr kumimoji="1" lang="en-US" altLang="zh-CN" dirty="0"/>
+          </a:p>
+          <a:p>
+            <a:pPr lvl="1"/>
+            <a:r>
+              <a:rPr kumimoji="1" lang="zh-CN" altLang="en-US" dirty="0"/>
+              <a:t>完善相关模块的实现，测试编译配置下的 </a:t>
+            </a:r>
+            <a:r>
+              <a:rPr kumimoji="1" lang="en-US" altLang="zh-CN" dirty="0" err="1"/>
+              <a:t>monoRCore</a:t>
+            </a:r>
+            <a:r>
+              <a:rPr kumimoji="1" lang="zh-CN" altLang="en-US" dirty="0"/>
+              <a:t> 在相关测试程序上的表现</a:t>
+            </a:r>
+            <a:endParaRPr kumimoji="1" lang="en-US" altLang="zh-CN" dirty="0"/>
+          </a:p>
+          <a:p>
+            <a:pPr lvl="1"/>
+            <a:r>
+              <a:rPr kumimoji="1" lang="zh-CN" altLang="en-US" dirty="0"/>
+              <a:t>撰写论文</a:t>
+            </a:r>
+            <a:endParaRPr kumimoji="1" lang="en-US" altLang="zh-CN" dirty="0"/>
+          </a:p>
+        </p:txBody>
+      </p:sp>
+      <p:sp>
+        <p:nvSpPr>
+          <p:cNvPr id="3" name="标题 2">
+            <a:extLst>
+              <a:ext uri="{FF2B5EF4-FFF2-40B4-BE49-F238E27FC236}">
+                <a16:creationId xmlns:a16="http://schemas.microsoft.com/office/drawing/2014/main" id="{8F4AC9EC-3C3A-F146-A772-6BB54F637E18}"/>
+              </a:ext>
+            </a:extLst>
+          </p:cNvPr>
+          <p:cNvSpPr>
+            <a:spLocks noGrp="1"/>
+          </p:cNvSpPr>
+          <p:nvPr>
+            <p:ph type="title"/>
+          </p:nvPr>
+        </p:nvSpPr>
+        <p:spPr/>
+        <p:txBody>
+          <a:bodyPr/>
+          <a:lstStyle/>
+          <a:p>
+            <a:r>
+              <a:rPr kumimoji="1" lang="zh-CN" altLang="en-US" dirty="0"/>
+              <a:t>设计规划</a:t>
+            </a:r>
+          </a:p>
+        </p:txBody>
+      </p:sp>
+    </p:spTree>
+    <p:extLst>
+      <p:ext uri="{BB962C8B-B14F-4D97-AF65-F5344CB8AC3E}">
+        <p14:creationId xmlns:p14="http://schemas.microsoft.com/office/powerpoint/2010/main" val="3471432469"/>
+      </p:ext>
+    </p:extLst>
+  </p:cSld>
+  <p:clrMapOvr>
+    <a:masterClrMapping/>
+  </p:clrMapOvr>
+</p:sld>
+</file>
+
+<file path=ppt/slides/slide15.xml><?xml version="1.0" encoding="utf-8"?>
+<p:sld xmlns:a="http://schemas.openxmlformats.org/drawingml/2006/main" xmlns:r="http://schemas.openxmlformats.org/officeDocument/2006/relationships" xmlns:p="http://schemas.openxmlformats.org/presentationml/2006/main">
+  <p:cSld>
+    <p:spTree>
+      <p:nvGrpSpPr>
+        <p:cNvPr id="1" name=""/>
+        <p:cNvGrpSpPr/>
+        <p:nvPr/>
+      </p:nvGrpSpPr>
+      <p:grpSpPr>
+        <a:xfrm>
+          <a:off x="0" y="0"/>
+          <a:ext cx="0" cy="0"/>
+          <a:chOff x="0" y="0"/>
+          <a:chExt cx="0" cy="0"/>
+        </a:xfrm>
+      </p:grpSpPr>
+      <p:sp>
+        <p:nvSpPr>
+          <p:cNvPr id="4" name="标题 3">
+            <a:extLst>
+              <a:ext uri="{FF2B5EF4-FFF2-40B4-BE49-F238E27FC236}">
+                <a16:creationId xmlns:a16="http://schemas.microsoft.com/office/drawing/2014/main" id="{0D06B8AA-CA7A-8C42-B072-3794DD9BC7B6}"/>
+              </a:ext>
+            </a:extLst>
+          </p:cNvPr>
+          <p:cNvSpPr>
+            <a:spLocks noGrp="1"/>
+          </p:cNvSpPr>
+          <p:nvPr>
+            <p:ph type="ctrTitle"/>
+          </p:nvPr>
+        </p:nvSpPr>
+        <p:spPr/>
+        <p:txBody>
+          <a:bodyPr/>
+          <a:lstStyle/>
+          <a:p>
+            <a:pPr algn="ctr"/>
+            <a:r>
+              <a:rPr kumimoji="1" lang="zh-CN" altLang="en-US" dirty="0"/>
+              <a:t>谢谢！</a:t>
+            </a:r>
           </a:p>
         </p:txBody>
       </p:sp>
@@ -5693,25 +5971,6 @@
           </a:p>
         </p:txBody>
       </p:sp>
-      <p:sp>
-        <p:nvSpPr>
-          <p:cNvPr id="3" name="副标题 2"/>
-          <p:cNvSpPr>
-            <a:spLocks noGrp="1"/>
-          </p:cNvSpPr>
-          <p:nvPr>
-            <p:ph type="subTitle" idx="1"/>
-          </p:nvPr>
-        </p:nvSpPr>
-        <p:spPr/>
-        <p:txBody>
-          <a:bodyPr/>
-          <a:lstStyle/>
-          <a:p>
-            <a:endParaRPr lang="zh-CN" altLang="en-US" dirty="0"/>
-          </a:p>
-        </p:txBody>
-      </p:sp>
     </p:spTree>
     <p:extLst>
       <p:ext uri="{BB962C8B-B14F-4D97-AF65-F5344CB8AC3E}">
@@ -5884,12 +6143,13 @@
           </a:bodyPr>
           <a:lstStyle/>
           <a:p>
-            <a:endParaRPr kumimoji="1" lang="en-US" altLang="zh-CN" dirty="0"/>
-          </a:p>
-          <a:p>
-            <a:r>
-              <a:rPr kumimoji="1" lang="zh-CN" altLang="en-US" dirty="0"/>
-              <a:t>传统操作系统的各个功能的代码之间有着复杂的依赖关系，这种依赖关系使得修改操作系统十分困难</a:t>
+            <a:r>
+              <a:rPr kumimoji="1" lang="zh-CN" altLang="en-US"/>
+              <a:t>传统</a:t>
+            </a:r>
+            <a:r>
+              <a:rPr kumimoji="1" lang="zh-CN" altLang="en-US" dirty="0"/>
+              <a:t>操作系统的各个功能的代码之间有着复杂的依赖关系，这种依赖关系使得修改操作系统十分困难</a:t>
             </a:r>
             <a:endParaRPr kumimoji="1" lang="en-US" altLang="zh-CN" dirty="0"/>
           </a:p>
@@ -6315,12 +6575,8 @@
               <a:t> </a:t>
             </a:r>
             <a:r>
-              <a:rPr lang="en-US" altLang="zh-CN" dirty="0" err="1"/>
-              <a:t>scpointer</a:t>
-            </a:r>
-            <a:r>
               <a:rPr lang="zh-CN" altLang="en-US" dirty="0"/>
-              <a:t>：</a:t>
+              <a:t>闭浩洋：</a:t>
             </a:r>
             <a:r>
               <a:rPr lang="en-US" altLang="zh-CN" dirty="0"/>
@@ -6657,8 +6913,8 @@
         </p:nvSpPr>
         <p:spPr>
           <a:xfrm>
-            <a:off x="581194" y="1941408"/>
-            <a:ext cx="5599798" cy="3633047"/>
+            <a:off x="581193" y="1673663"/>
+            <a:ext cx="10775501" cy="3813350"/>
           </a:xfrm>
         </p:spPr>
         <p:txBody>
@@ -6667,14 +6923,65 @@
           </a:bodyPr>
           <a:lstStyle/>
           <a:p>
+            <a:r>
+              <a:rPr kumimoji="1" lang="zh-CN" altLang="en-US" sz="2000" dirty="0"/>
+              <a:t>基于 </a:t>
+            </a:r>
+            <a:r>
+              <a:rPr lang="en-US" altLang="zh-CN" sz="2000" dirty="0" err="1"/>
+              <a:t>rcore</a:t>
+            </a:r>
+            <a:r>
+              <a:rPr lang="en-US" altLang="zh-CN" sz="2000" dirty="0"/>
+              <a:t> tutorial</a:t>
+            </a:r>
+            <a:r>
+              <a:rPr lang="zh-CN" altLang="en-US" sz="2000" dirty="0"/>
+              <a:t> 实现的模块化教学 </a:t>
+            </a:r>
+            <a:r>
+              <a:rPr lang="en-US" altLang="zh-CN" sz="2000" dirty="0" err="1"/>
+              <a:t>os</a:t>
+            </a:r>
+            <a:endParaRPr lang="en-US" altLang="zh-CN" sz="2000" dirty="0"/>
+          </a:p>
+          <a:p>
+            <a:r>
+              <a:rPr lang="zh-CN" altLang="en-US" sz="2000" dirty="0"/>
+              <a:t>目前，可由其中的各个模块，构建出操作系统课程 </a:t>
+            </a:r>
+            <a:r>
+              <a:rPr lang="en-US" altLang="zh-CN" sz="2000" dirty="0"/>
+              <a:t>8</a:t>
+            </a:r>
+            <a:r>
+              <a:rPr lang="zh-CN" altLang="en-US" sz="2000" dirty="0"/>
+              <a:t> 个阶段实验所需要的 </a:t>
+            </a:r>
+            <a:r>
+              <a:rPr lang="en-US" altLang="zh-CN" sz="2000" dirty="0" err="1"/>
+              <a:t>os</a:t>
+            </a:r>
+            <a:endParaRPr lang="en-US" altLang="zh-CN" sz="2000" dirty="0"/>
+          </a:p>
+          <a:p>
+            <a:r>
+              <a:rPr lang="zh-CN" altLang="en-US" sz="2000" dirty="0"/>
+              <a:t>相较于没有模块化的 </a:t>
+            </a:r>
+            <a:r>
+              <a:rPr lang="en-US" altLang="zh-CN" sz="2000" dirty="0" err="1"/>
+              <a:t>rcore</a:t>
+            </a:r>
+            <a:r>
+              <a:rPr lang="en-US" altLang="zh-CN" sz="2000" dirty="0"/>
+              <a:t> tutorial</a:t>
+            </a:r>
+            <a:r>
+              <a:rPr lang="zh-CN" altLang="en-US" sz="2000" dirty="0"/>
+              <a:t>，学生完成实验所需要修改的代码更加集中</a:t>
+            </a:r>
             <a:endParaRPr kumimoji="1" lang="en-US" altLang="zh-CN" sz="2000" dirty="0"/>
-          </a:p>
-          <a:p>
-            <a:r>
-              <a:rPr kumimoji="1" lang="en-US" altLang="zh-CN" dirty="0"/>
-              <a:t>TODO</a:t>
-            </a:r>
-            <a:endParaRPr kumimoji="1" lang="zh-CN" altLang="en-US" dirty="0"/>
           </a:p>
         </p:txBody>
       </p:sp>
@@ -6708,38 +7015,117 @@
               <a:t> </a:t>
             </a:r>
             <a:r>
-              <a:rPr kumimoji="1" lang="en-US" altLang="zh-CN" cap="none" dirty="0" err="1"/>
-              <a:t>monoRCore</a:t>
+              <a:rPr lang="en-US" altLang="zh-CN" dirty="0" err="1"/>
+              <a:t>rcore</a:t>
+            </a:r>
+            <a:r>
+              <a:rPr lang="en-US" altLang="zh-CN" dirty="0"/>
+              <a:t> tutorial</a:t>
+            </a:r>
+            <a:r>
+              <a:rPr lang="zh-CN" altLang="en-US" dirty="0"/>
+              <a:t> 模块化</a:t>
+            </a:r>
+            <a:r>
+              <a:rPr lang="en-US" altLang="zh-CN" dirty="0"/>
+              <a:t>/</a:t>
+            </a:r>
+            <a:r>
+              <a:rPr lang="zh-CN" altLang="en-US" dirty="0"/>
+              <a:t>微库化</a:t>
             </a:r>
             <a:endParaRPr kumimoji="1" lang="zh-CN" altLang="en-US" cap="none" dirty="0"/>
           </a:p>
         </p:txBody>
       </p:sp>
-      <p:sp>
-        <p:nvSpPr>
-          <p:cNvPr id="5" name="内容占位符 4">
+      <p:pic>
+        <p:nvPicPr>
+          <p:cNvPr id="7" name="图片 6">
             <a:extLst>
               <a:ext uri="{FF2B5EF4-FFF2-40B4-BE49-F238E27FC236}">
-                <a16:creationId xmlns:a16="http://schemas.microsoft.com/office/drawing/2014/main" id="{ECBC93D9-2B97-344A-920B-44CB096F05F1}"/>
+                <a16:creationId xmlns:a16="http://schemas.microsoft.com/office/drawing/2014/main" id="{9EE88E51-8384-FC48-BE4B-6F5A054542E0}"/>
               </a:ext>
             </a:extLst>
           </p:cNvPr>
-          <p:cNvSpPr>
-            <a:spLocks noGrp="1"/>
-          </p:cNvSpPr>
-          <p:nvPr>
-            <p:ph sz="half" idx="2"/>
-          </p:nvPr>
-        </p:nvSpPr>
-        <p:spPr/>
-        <p:txBody>
-          <a:bodyPr/>
-          <a:lstStyle/>
-          <a:p>
-            <a:endParaRPr kumimoji="1" lang="zh-CN" altLang="en-US" dirty="0"/>
-          </a:p>
-        </p:txBody>
-      </p:sp>
+          <p:cNvPicPr>
+            <a:picLocks noChangeAspect="1"/>
+          </p:cNvPicPr>
+          <p:nvPr/>
+        </p:nvPicPr>
+        <p:blipFill rotWithShape="1">
+          <a:blip r:embed="rId2"/>
+          <a:srcRect l="6299" b="190"/>
+          <a:stretch/>
+        </p:blipFill>
+        <p:spPr>
+          <a:xfrm rot="16200000">
+            <a:off x="1772986" y="1792863"/>
+            <a:ext cx="3866717" cy="6263555"/>
+          </a:xfrm>
+          <a:prstGeom prst="rect">
+            <a:avLst/>
+          </a:prstGeom>
+        </p:spPr>
+      </p:pic>
+      <p:pic>
+        <p:nvPicPr>
+          <p:cNvPr id="8" name="图片 7">
+            <a:extLst>
+              <a:ext uri="{FF2B5EF4-FFF2-40B4-BE49-F238E27FC236}">
+                <a16:creationId xmlns:a16="http://schemas.microsoft.com/office/drawing/2014/main" id="{D0CD3363-1849-CC40-B938-FC1823E24B4B}"/>
+              </a:ext>
+            </a:extLst>
+          </p:cNvPr>
+          <p:cNvPicPr>
+            <a:picLocks noChangeAspect="1"/>
+          </p:cNvPicPr>
+          <p:nvPr/>
+        </p:nvPicPr>
+        <p:blipFill>
+          <a:blip r:embed="rId3"/>
+          <a:stretch>
+            <a:fillRect/>
+          </a:stretch>
+        </p:blipFill>
+        <p:spPr>
+          <a:xfrm>
+            <a:off x="7076660" y="4034898"/>
+            <a:ext cx="4592222" cy="1994232"/>
+          </a:xfrm>
+          <a:prstGeom prst="rect">
+            <a:avLst/>
+          </a:prstGeom>
+        </p:spPr>
+      </p:pic>
+      <p:pic>
+        <p:nvPicPr>
+          <p:cNvPr id="10" name="图片 9">
+            <a:extLst>
+              <a:ext uri="{FF2B5EF4-FFF2-40B4-BE49-F238E27FC236}">
+                <a16:creationId xmlns:a16="http://schemas.microsoft.com/office/drawing/2014/main" id="{B7796B11-6191-3A42-977F-7829391B2DA5}"/>
+              </a:ext>
+            </a:extLst>
+          </p:cNvPr>
+          <p:cNvPicPr>
+            <a:picLocks noChangeAspect="1"/>
+          </p:cNvPicPr>
+          <p:nvPr/>
+        </p:nvPicPr>
+        <p:blipFill rotWithShape="1">
+          <a:blip r:embed="rId4"/>
+          <a:srcRect r="3326"/>
+          <a:stretch/>
+        </p:blipFill>
+        <p:spPr>
+          <a:xfrm>
+            <a:off x="7076661" y="3152714"/>
+            <a:ext cx="4592222" cy="882184"/>
+          </a:xfrm>
+          <a:prstGeom prst="rect">
+            <a:avLst/>
+          </a:prstGeom>
+        </p:spPr>
+      </p:pic>
     </p:spTree>
     <p:extLst>
       <p:ext uri="{BB962C8B-B14F-4D97-AF65-F5344CB8AC3E}">
@@ -6772,35 +7158,86 @@
       </p:grpSpPr>
       <p:sp>
         <p:nvSpPr>
-          <p:cNvPr id="2" name="标题 1"/>
-          <p:cNvSpPr>
-            <a:spLocks noGrp="1"/>
-          </p:cNvSpPr>
-          <p:nvPr>
-            <p:ph type="ctrTitle"/>
-          </p:nvPr>
-        </p:nvSpPr>
-        <p:spPr/>
+          <p:cNvPr id="5" name="内容占位符 4">
+            <a:extLst>
+              <a:ext uri="{FF2B5EF4-FFF2-40B4-BE49-F238E27FC236}">
+                <a16:creationId xmlns:a16="http://schemas.microsoft.com/office/drawing/2014/main" id="{7467218D-8F2C-FD4E-B9A4-C45576AE8A82}"/>
+              </a:ext>
+            </a:extLst>
+          </p:cNvPr>
+          <p:cNvSpPr>
+            <a:spLocks noGrp="1"/>
+          </p:cNvSpPr>
+          <p:nvPr>
+            <p:ph idx="1"/>
+          </p:nvPr>
+        </p:nvSpPr>
+        <p:spPr>
+          <a:xfrm>
+            <a:off x="833377" y="1608624"/>
+            <a:ext cx="10000275" cy="876159"/>
+          </a:xfrm>
+        </p:spPr>
         <p:txBody>
           <a:bodyPr/>
           <a:lstStyle/>
           <a:p>
-            <a:pPr algn="ctr"/>
             <a:r>
               <a:rPr lang="zh-CN" altLang="en-US" dirty="0"/>
-              <a:t>设计任务</a:t>
-            </a:r>
-          </a:p>
-        </p:txBody>
-      </p:sp>
-      <p:sp>
-        <p:nvSpPr>
-          <p:cNvPr id="3" name="副标题 2"/>
-          <p:cNvSpPr>
-            <a:spLocks noGrp="1"/>
-          </p:cNvSpPr>
-          <p:nvPr>
-            <p:ph type="subTitle" idx="1"/>
+              <a:t>马思源：</a:t>
+            </a:r>
+            <a:r>
+              <a:rPr kumimoji="1" lang="en-US" altLang="zh-CN" dirty="0"/>
+              <a:t> </a:t>
+            </a:r>
+            <a:r>
+              <a:rPr kumimoji="1" lang="en-US" altLang="zh-CN" dirty="0" err="1"/>
+              <a:t>rCore</a:t>
+            </a:r>
+            <a:r>
+              <a:rPr kumimoji="1" lang="en-US" altLang="zh-CN" dirty="0"/>
+              <a:t>-Tutorial</a:t>
+            </a:r>
+            <a:r>
+              <a:rPr kumimoji="1" lang="zh-CN" altLang="en-US" dirty="0"/>
+              <a:t>操作系统中进程调度算法的设计与实现</a:t>
+            </a:r>
+            <a:endParaRPr kumimoji="1" lang="en-US" altLang="zh-CN" dirty="0"/>
+          </a:p>
+          <a:p>
+            <a:r>
+              <a:rPr kumimoji="1" lang="zh-CN" altLang="en-US" dirty="0"/>
+              <a:t>在 </a:t>
+            </a:r>
+            <a:r>
+              <a:rPr kumimoji="1" lang="en-US" altLang="zh-CN" dirty="0" err="1"/>
+              <a:t>rCore</a:t>
+            </a:r>
+            <a:r>
+              <a:rPr kumimoji="1" lang="en-US" altLang="zh-CN" dirty="0"/>
+              <a:t>-Tutorial</a:t>
+            </a:r>
+            <a:r>
+              <a:rPr kumimoji="1" lang="zh-CN" altLang="en-US" dirty="0"/>
+              <a:t> 框架下实现了多种调度算法，并进行了测试</a:t>
+            </a:r>
+          </a:p>
+        </p:txBody>
+      </p:sp>
+      <p:sp>
+        <p:nvSpPr>
+          <p:cNvPr id="4" name="标题 3">
+            <a:extLst>
+              <a:ext uri="{FF2B5EF4-FFF2-40B4-BE49-F238E27FC236}">
+                <a16:creationId xmlns:a16="http://schemas.microsoft.com/office/drawing/2014/main" id="{708C296A-9C53-6A41-801E-C1BB463B920D}"/>
+              </a:ext>
+            </a:extLst>
+          </p:cNvPr>
+          <p:cNvSpPr>
+            <a:spLocks noGrp="1"/>
+          </p:cNvSpPr>
+          <p:nvPr>
+            <p:ph type="title"/>
           </p:nvPr>
         </p:nvSpPr>
         <p:spPr/>
@@ -6808,14 +7245,111 @@
           <a:bodyPr/>
           <a:lstStyle/>
           <a:p>
-            <a:endParaRPr lang="zh-CN" altLang="en-US" dirty="0"/>
-          </a:p>
-        </p:txBody>
-      </p:sp>
+            <a:r>
+              <a:rPr kumimoji="1" lang="zh-CN" altLang="en-US" cap="none" dirty="0"/>
+              <a:t>设计背景：</a:t>
+            </a:r>
+            <a:r>
+              <a:rPr kumimoji="1" lang="zh-CN" altLang="en-US" dirty="0"/>
+              <a:t>进程调度算法</a:t>
+            </a:r>
+          </a:p>
+        </p:txBody>
+      </p:sp>
+      <p:pic>
+        <p:nvPicPr>
+          <p:cNvPr id="3" name="图片 2">
+            <a:extLst>
+              <a:ext uri="{FF2B5EF4-FFF2-40B4-BE49-F238E27FC236}">
+                <a16:creationId xmlns:a16="http://schemas.microsoft.com/office/drawing/2014/main" id="{FA28B127-DBFB-204E-9786-D8366EE8476C}"/>
+              </a:ext>
+            </a:extLst>
+          </p:cNvPr>
+          <p:cNvPicPr>
+            <a:picLocks noChangeAspect="1"/>
+          </p:cNvPicPr>
+          <p:nvPr/>
+        </p:nvPicPr>
+        <p:blipFill>
+          <a:blip r:embed="rId2"/>
+          <a:stretch>
+            <a:fillRect/>
+          </a:stretch>
+        </p:blipFill>
+        <p:spPr>
+          <a:xfrm>
+            <a:off x="822682" y="2703444"/>
+            <a:ext cx="2983249" cy="3327470"/>
+          </a:xfrm>
+          <a:prstGeom prst="rect">
+            <a:avLst/>
+          </a:prstGeom>
+        </p:spPr>
+      </p:pic>
+      <p:pic>
+        <p:nvPicPr>
+          <p:cNvPr id="7" name="图片 6">
+            <a:extLst>
+              <a:ext uri="{FF2B5EF4-FFF2-40B4-BE49-F238E27FC236}">
+                <a16:creationId xmlns:a16="http://schemas.microsoft.com/office/drawing/2014/main" id="{4DCB65B0-6E0C-8946-8547-B9D435F2615A}"/>
+              </a:ext>
+            </a:extLst>
+          </p:cNvPr>
+          <p:cNvPicPr>
+            <a:picLocks noChangeAspect="1"/>
+          </p:cNvPicPr>
+          <p:nvPr/>
+        </p:nvPicPr>
+        <p:blipFill>
+          <a:blip r:embed="rId3"/>
+          <a:stretch>
+            <a:fillRect/>
+          </a:stretch>
+        </p:blipFill>
+        <p:spPr>
+          <a:xfrm>
+            <a:off x="4228345" y="2703444"/>
+            <a:ext cx="4013546" cy="3327470"/>
+          </a:xfrm>
+          <a:prstGeom prst="rect">
+            <a:avLst/>
+          </a:prstGeom>
+        </p:spPr>
+      </p:pic>
+      <p:pic>
+        <p:nvPicPr>
+          <p:cNvPr id="9" name="图片 8">
+            <a:extLst>
+              <a:ext uri="{FF2B5EF4-FFF2-40B4-BE49-F238E27FC236}">
+                <a16:creationId xmlns:a16="http://schemas.microsoft.com/office/drawing/2014/main" id="{3C5368B4-97DE-9E45-BF3F-80B06F9A6DC5}"/>
+              </a:ext>
+            </a:extLst>
+          </p:cNvPr>
+          <p:cNvPicPr>
+            <a:picLocks noChangeAspect="1"/>
+          </p:cNvPicPr>
+          <p:nvPr/>
+        </p:nvPicPr>
+        <p:blipFill>
+          <a:blip r:embed="rId4"/>
+          <a:stretch>
+            <a:fillRect/>
+          </a:stretch>
+        </p:blipFill>
+        <p:spPr>
+          <a:xfrm>
+            <a:off x="8664305" y="508028"/>
+            <a:ext cx="3114803" cy="5522886"/>
+          </a:xfrm>
+          <a:prstGeom prst="rect">
+            <a:avLst/>
+          </a:prstGeom>
+        </p:spPr>
+      </p:pic>
     </p:spTree>
     <p:extLst>
       <p:ext uri="{BB962C8B-B14F-4D97-AF65-F5344CB8AC3E}">
-        <p14:creationId xmlns:p14="http://schemas.microsoft.com/office/powerpoint/2010/main" val="1657923796"/>
+        <p14:creationId xmlns:p14="http://schemas.microsoft.com/office/powerpoint/2010/main" val="3384455466"/>
       </p:ext>
     </p:extLst>
   </p:cSld>
@@ -6847,7 +7381,7 @@
           <p:cNvPr id="2" name="内容占位符 1">
             <a:extLst>
               <a:ext uri="{FF2B5EF4-FFF2-40B4-BE49-F238E27FC236}">
-                <a16:creationId xmlns:a16="http://schemas.microsoft.com/office/drawing/2014/main" id="{C3A81F96-A35B-3E4D-A168-51446EB32946}"/>
+                <a16:creationId xmlns:a16="http://schemas.microsoft.com/office/drawing/2014/main" id="{4CEAE358-0C04-C648-980D-81F0955A45F4}"/>
               </a:ext>
             </a:extLst>
           </p:cNvPr>
@@ -6858,176 +7392,160 @@
             <p:ph idx="1"/>
           </p:nvPr>
         </p:nvSpPr>
-        <p:spPr/>
-        <p:txBody>
-          <a:bodyPr>
-            <a:normAutofit/>
-          </a:bodyPr>
-          <a:lstStyle/>
-          <a:p>
-            <a:r>
-              <a:rPr kumimoji="1" lang="zh-CN" altLang="en-US" dirty="0"/>
-              <a:t>向 </a:t>
-            </a:r>
-            <a:r>
-              <a:rPr kumimoji="1" lang="en-US" altLang="zh-CN" dirty="0" err="1"/>
-              <a:t>monoRCore</a:t>
-            </a:r>
-            <a:r>
-              <a:rPr kumimoji="1" lang="zh-CN" altLang="en-US" dirty="0"/>
-              <a:t> 中添加调度模块</a:t>
-            </a:r>
-            <a:endParaRPr kumimoji="1" lang="en-US" altLang="zh-CN" dirty="0"/>
-          </a:p>
-          <a:p>
-            <a:pPr lvl="1"/>
-            <a:r>
-              <a:rPr lang="zh-CN" altLang="en-US" dirty="0"/>
-              <a:t>设计调度模块对外提供的接口</a:t>
-            </a:r>
-            <a:endParaRPr lang="en-US" altLang="zh-CN" dirty="0"/>
-          </a:p>
-          <a:p>
-            <a:pPr lvl="2"/>
-            <a:r>
-              <a:rPr lang="zh-CN" altLang="en-US" dirty="0"/>
-              <a:t>进程切换时，给定当前任务池和被切换的任务，选择下一个被执行的任务</a:t>
-            </a:r>
-            <a:endParaRPr lang="en-US" altLang="zh-CN" dirty="0"/>
-          </a:p>
-          <a:p>
-            <a:pPr lvl="2"/>
-            <a:r>
-              <a:rPr lang="zh-CN" altLang="en-US" dirty="0"/>
-              <a:t>提供线程</a:t>
-            </a:r>
-            <a:r>
-              <a:rPr lang="en-US" altLang="zh-CN" dirty="0"/>
-              <a:t>/</a:t>
-            </a:r>
-            <a:r>
-              <a:rPr lang="zh-CN" altLang="en-US" dirty="0"/>
-              <a:t>进程生命周期钩子（</a:t>
-            </a:r>
-            <a:r>
-              <a:rPr lang="en-US" altLang="zh-CN" dirty="0"/>
-              <a:t>hook</a:t>
-            </a:r>
-            <a:r>
-              <a:rPr lang="zh-CN" altLang="en-US" dirty="0"/>
-              <a:t>），在线程</a:t>
-            </a:r>
-            <a:r>
-              <a:rPr lang="en-US" altLang="zh-CN" dirty="0"/>
-              <a:t>/</a:t>
-            </a:r>
-            <a:r>
-              <a:rPr lang="zh-CN" altLang="en-US" dirty="0"/>
-              <a:t>进程创建、切换、结束时更新调度模块中存储的信息</a:t>
-            </a:r>
-            <a:endParaRPr lang="en-US" altLang="zh-CN" dirty="0"/>
-          </a:p>
-          <a:p>
-            <a:pPr lvl="1"/>
-            <a:r>
-              <a:rPr kumimoji="1" lang="zh-CN" altLang="en-US" dirty="0"/>
-              <a:t>设计其他模块提供给调度模块的接口</a:t>
-            </a:r>
-            <a:endParaRPr kumimoji="1" lang="en-US" altLang="zh-CN" dirty="0"/>
-          </a:p>
-          <a:p>
-            <a:pPr lvl="2"/>
-            <a:r>
-              <a:rPr kumimoji="1" lang="zh-CN" altLang="en-US" dirty="0"/>
-              <a:t>允许调度模块扩展任务控制块（</a:t>
-            </a:r>
-            <a:r>
-              <a:rPr kumimoji="1" lang="en-US" altLang="zh-CN" dirty="0" err="1"/>
-              <a:t>TaskControllerBlock</a:t>
-            </a:r>
-            <a:r>
-              <a:rPr kumimoji="1" lang="zh-CN" altLang="en-US" dirty="0"/>
-              <a:t>）</a:t>
-            </a:r>
-            <a:endParaRPr kumimoji="1" lang="en-US" altLang="zh-CN" dirty="0"/>
-          </a:p>
-          <a:p>
-            <a:pPr lvl="3"/>
-            <a:r>
-              <a:rPr kumimoji="1" lang="zh-CN" altLang="en-US" dirty="0"/>
-              <a:t>扩展的内容由调度模块自行维护</a:t>
-            </a:r>
-            <a:endParaRPr kumimoji="1" lang="en-US" altLang="zh-CN" dirty="0"/>
-          </a:p>
-          <a:p>
-            <a:pPr lvl="2"/>
-            <a:r>
-              <a:rPr kumimoji="1" lang="zh-CN" altLang="en-US" dirty="0"/>
-              <a:t>允许调度模块扩展 </a:t>
-            </a:r>
-            <a:r>
-              <a:rPr kumimoji="1" lang="en-US" altLang="zh-CN" dirty="0" err="1"/>
-              <a:t>syscall</a:t>
-            </a:r>
-            <a:r>
-              <a:rPr kumimoji="1" lang="zh-CN" altLang="en-US" dirty="0"/>
-              <a:t> 部分：如添加 </a:t>
-            </a:r>
-            <a:r>
-              <a:rPr kumimoji="1" lang="en-US" altLang="zh-CN" dirty="0" err="1"/>
-              <a:t>set_priority</a:t>
-            </a:r>
-            <a:r>
-              <a:rPr kumimoji="1" lang="zh-CN" altLang="en-US" dirty="0"/>
-              <a:t> </a:t>
-            </a:r>
-            <a:endParaRPr kumimoji="1" lang="en-US" altLang="zh-CN" dirty="0"/>
-          </a:p>
-          <a:p>
-            <a:r>
-              <a:rPr kumimoji="1" lang="zh-CN" altLang="en-US" dirty="0"/>
-              <a:t>允许用户通过设置编译配置，选择其想用的调度算法</a:t>
-            </a:r>
-            <a:endParaRPr kumimoji="1" lang="en-US" altLang="zh-CN" dirty="0"/>
-          </a:p>
-          <a:p>
-            <a:pPr lvl="1"/>
-            <a:endParaRPr kumimoji="1" lang="en-US" altLang="zh-CN" dirty="0"/>
-          </a:p>
-        </p:txBody>
-      </p:sp>
-      <p:sp>
-        <p:nvSpPr>
-          <p:cNvPr id="3" name="标题 2">
-            <a:extLst>
-              <a:ext uri="{FF2B5EF4-FFF2-40B4-BE49-F238E27FC236}">
-                <a16:creationId xmlns:a16="http://schemas.microsoft.com/office/drawing/2014/main" id="{185CD80B-DAC0-CD44-BDEA-EC751F068655}"/>
-              </a:ext>
-            </a:extLst>
-          </p:cNvPr>
-          <p:cNvSpPr>
-            <a:spLocks noGrp="1"/>
-          </p:cNvSpPr>
-          <p:nvPr>
-            <p:ph type="title"/>
-          </p:nvPr>
-        </p:nvSpPr>
-        <p:spPr/>
+        <p:spPr>
+          <a:xfrm>
+            <a:off x="835306" y="1792872"/>
+            <a:ext cx="10654329" cy="4150728"/>
+          </a:xfrm>
+        </p:spPr>
         <p:txBody>
           <a:bodyPr/>
           <a:lstStyle/>
           <a:p>
             <a:r>
-              <a:rPr kumimoji="1" lang="zh-CN" altLang="en-US" dirty="0"/>
-              <a:t>设计任务：调度模块</a:t>
-            </a:r>
-          </a:p>
-        </p:txBody>
-      </p:sp>
+              <a:rPr lang="zh-CN" altLang="en-US" dirty="0"/>
+              <a:t>徐奥淳：</a:t>
+            </a:r>
+            <a:r>
+              <a:rPr lang="en-US" altLang="zh-CN" dirty="0" err="1"/>
+              <a:t>rCore</a:t>
+            </a:r>
+            <a:r>
+              <a:rPr lang="en-US" altLang="zh-CN" dirty="0"/>
+              <a:t>-Tutorial</a:t>
+            </a:r>
+            <a:r>
+              <a:rPr lang="zh-CN" altLang="en-US" dirty="0"/>
+              <a:t>页面置换算法与多核同步互斥机制</a:t>
+            </a:r>
+            <a:endParaRPr lang="en-US" altLang="zh-CN" dirty="0"/>
+          </a:p>
+          <a:p>
+            <a:r>
+              <a:rPr kumimoji="1" lang="zh-CN" altLang="en-US" dirty="0"/>
+              <a:t>在 </a:t>
+            </a:r>
+            <a:r>
+              <a:rPr kumimoji="1" lang="en-US" altLang="zh-CN" dirty="0" err="1"/>
+              <a:t>rCore</a:t>
+            </a:r>
+            <a:r>
+              <a:rPr kumimoji="1" lang="en-US" altLang="zh-CN" dirty="0"/>
+              <a:t>-Tutorial</a:t>
+            </a:r>
+            <a:r>
+              <a:rPr kumimoji="1" lang="zh-CN" altLang="en-US" dirty="0"/>
+              <a:t> 框架下实现了多种页面置换算法，并进行了测试</a:t>
+            </a:r>
+          </a:p>
+          <a:p>
+            <a:pPr marL="0" indent="0">
+              <a:buNone/>
+            </a:pPr>
+            <a:endParaRPr lang="en-US" altLang="zh-CN" dirty="0"/>
+          </a:p>
+          <a:p>
+            <a:endParaRPr kumimoji="1" lang="zh-CN" altLang="en-US" dirty="0"/>
+          </a:p>
+        </p:txBody>
+      </p:sp>
+      <p:sp>
+        <p:nvSpPr>
+          <p:cNvPr id="3" name="标题 2">
+            <a:extLst>
+              <a:ext uri="{FF2B5EF4-FFF2-40B4-BE49-F238E27FC236}">
+                <a16:creationId xmlns:a16="http://schemas.microsoft.com/office/drawing/2014/main" id="{8345AEFF-81D1-8D40-BF16-B7B72AF26769}"/>
+              </a:ext>
+            </a:extLst>
+          </p:cNvPr>
+          <p:cNvSpPr>
+            <a:spLocks noGrp="1"/>
+          </p:cNvSpPr>
+          <p:nvPr>
+            <p:ph type="title"/>
+          </p:nvPr>
+        </p:nvSpPr>
+        <p:spPr/>
+        <p:txBody>
+          <a:bodyPr/>
+          <a:lstStyle/>
+          <a:p>
+            <a:r>
+              <a:rPr kumimoji="1" lang="zh-CN" altLang="en-US" cap="none" dirty="0"/>
+              <a:t>设计背景：</a:t>
+            </a:r>
+            <a:r>
+              <a:rPr lang="zh-CN" altLang="en-US" dirty="0"/>
+              <a:t>页面置换算法</a:t>
+            </a:r>
+            <a:endParaRPr kumimoji="1" lang="zh-CN" altLang="en-US" dirty="0"/>
+          </a:p>
+        </p:txBody>
+      </p:sp>
+      <p:pic>
+        <p:nvPicPr>
+          <p:cNvPr id="4" name="图片 3">
+            <a:extLst>
+              <a:ext uri="{FF2B5EF4-FFF2-40B4-BE49-F238E27FC236}">
+                <a16:creationId xmlns:a16="http://schemas.microsoft.com/office/drawing/2014/main" id="{F015AA7D-D8FE-F746-9208-E0E7945BDBE4}"/>
+              </a:ext>
+            </a:extLst>
+          </p:cNvPr>
+          <p:cNvPicPr>
+            <a:picLocks noChangeAspect="1"/>
+          </p:cNvPicPr>
+          <p:nvPr/>
+        </p:nvPicPr>
+        <p:blipFill>
+          <a:blip r:embed="rId2"/>
+          <a:stretch>
+            <a:fillRect/>
+          </a:stretch>
+        </p:blipFill>
+        <p:spPr>
+          <a:xfrm>
+            <a:off x="835306" y="2727738"/>
+            <a:ext cx="5215183" cy="2550491"/>
+          </a:xfrm>
+          <a:prstGeom prst="rect">
+            <a:avLst/>
+          </a:prstGeom>
+        </p:spPr>
+      </p:pic>
+      <p:pic>
+        <p:nvPicPr>
+          <p:cNvPr id="5" name="图片 4">
+            <a:extLst>
+              <a:ext uri="{FF2B5EF4-FFF2-40B4-BE49-F238E27FC236}">
+                <a16:creationId xmlns:a16="http://schemas.microsoft.com/office/drawing/2014/main" id="{2667E2CC-9CDE-DD4F-B230-EA187FD952AB}"/>
+              </a:ext>
+            </a:extLst>
+          </p:cNvPr>
+          <p:cNvPicPr>
+            <a:picLocks noChangeAspect="1"/>
+          </p:cNvPicPr>
+          <p:nvPr/>
+        </p:nvPicPr>
+        <p:blipFill>
+          <a:blip r:embed="rId3"/>
+          <a:stretch>
+            <a:fillRect/>
+          </a:stretch>
+        </p:blipFill>
+        <p:spPr>
+          <a:xfrm>
+            <a:off x="6162470" y="2727738"/>
+            <a:ext cx="5811867" cy="2610678"/>
+          </a:xfrm>
+          <a:prstGeom prst="rect">
+            <a:avLst/>
+          </a:prstGeom>
+        </p:spPr>
+      </p:pic>
     </p:spTree>
     <p:extLst>
       <p:ext uri="{BB962C8B-B14F-4D97-AF65-F5344CB8AC3E}">
-        <p14:creationId xmlns:p14="http://schemas.microsoft.com/office/powerpoint/2010/main" val="1476961065"/>
+        <p14:creationId xmlns:p14="http://schemas.microsoft.com/office/powerpoint/2010/main" val="4158287327"/>
       </p:ext>
     </p:extLst>
   </p:cSld>

--- a/开题报告.pptx
+++ b/开题报告.pptx
@@ -5,24 +5,25 @@
     <p:sldMasterId id="2147483858" r:id="rId1"/>
   </p:sldMasterIdLst>
   <p:notesMasterIdLst>
-    <p:notesMasterId r:id="rId17"/>
+    <p:notesMasterId r:id="rId18"/>
   </p:notesMasterIdLst>
   <p:sldIdLst>
     <p:sldId id="270" r:id="rId2"/>
     <p:sldId id="283" r:id="rId3"/>
-    <p:sldId id="277" r:id="rId4"/>
-    <p:sldId id="271" r:id="rId5"/>
-    <p:sldId id="272" r:id="rId6"/>
-    <p:sldId id="286" r:id="rId7"/>
-    <p:sldId id="268" r:id="rId8"/>
-    <p:sldId id="287" r:id="rId9"/>
-    <p:sldId id="288" r:id="rId10"/>
-    <p:sldId id="284" r:id="rId11"/>
-    <p:sldId id="273" r:id="rId12"/>
-    <p:sldId id="274" r:id="rId13"/>
-    <p:sldId id="285" r:id="rId14"/>
-    <p:sldId id="276" r:id="rId15"/>
-    <p:sldId id="282" r:id="rId16"/>
+    <p:sldId id="289" r:id="rId4"/>
+    <p:sldId id="277" r:id="rId5"/>
+    <p:sldId id="271" r:id="rId6"/>
+    <p:sldId id="272" r:id="rId7"/>
+    <p:sldId id="286" r:id="rId8"/>
+    <p:sldId id="268" r:id="rId9"/>
+    <p:sldId id="287" r:id="rId10"/>
+    <p:sldId id="288" r:id="rId11"/>
+    <p:sldId id="284" r:id="rId12"/>
+    <p:sldId id="273" r:id="rId13"/>
+    <p:sldId id="274" r:id="rId14"/>
+    <p:sldId id="285" r:id="rId15"/>
+    <p:sldId id="276" r:id="rId16"/>
+    <p:sldId id="282" r:id="rId17"/>
   </p:sldIdLst>
   <p:sldSz cx="12192000" cy="6858000"/>
   <p:notesSz cx="6858000" cy="9144000"/>
@@ -211,7 +212,7 @@
           <a:p>
             <a:fld id="{BDA51940-DB52-3B48-AABB-9C7938529E4E}" type="datetimeFigureOut">
               <a:rPr kumimoji="1" lang="zh-CN" altLang="en-US" smtClean="0"/>
-              <a:t>2023/1/4</a:t>
+              <a:t>2023/1/11</a:t>
             </a:fld>
             <a:endParaRPr kumimoji="1" lang="zh-CN" altLang="en-US"/>
           </a:p>
@@ -920,7 +921,7 @@
           <a:p>
             <a:fld id="{E4551058-E5DB-324A-A8E9-6D3BEF243C3B}" type="datetimeFigureOut">
               <a:rPr kumimoji="1" lang="zh-CN" altLang="en-US" smtClean="0"/>
-              <a:t>2023/1/4</a:t>
+              <a:t>2023/1/11</a:t>
             </a:fld>
             <a:endParaRPr kumimoji="1" lang="zh-CN" altLang="en-US"/>
           </a:p>
@@ -1202,7 +1203,7 @@
           <a:p>
             <a:fld id="{E4551058-E5DB-324A-A8E9-6D3BEF243C3B}" type="datetimeFigureOut">
               <a:rPr kumimoji="1" lang="zh-CN" altLang="en-US" smtClean="0"/>
-              <a:t>2023/1/4</a:t>
+              <a:t>2023/1/11</a:t>
             </a:fld>
             <a:endParaRPr kumimoji="1" lang="zh-CN" altLang="en-US"/>
           </a:p>
@@ -1424,7 +1425,7 @@
           <a:p>
             <a:fld id="{E4551058-E5DB-324A-A8E9-6D3BEF243C3B}" type="datetimeFigureOut">
               <a:rPr kumimoji="1" lang="zh-CN" altLang="en-US" smtClean="0"/>
-              <a:t>2023/1/4</a:t>
+              <a:t>2023/1/11</a:t>
             </a:fld>
             <a:endParaRPr kumimoji="1" lang="zh-CN" altLang="en-US"/>
           </a:p>
@@ -1698,7 +1699,7 @@
           <a:p>
             <a:fld id="{E4551058-E5DB-324A-A8E9-6D3BEF243C3B}" type="datetimeFigureOut">
               <a:rPr kumimoji="1" lang="zh-CN" altLang="en-US" smtClean="0"/>
-              <a:t>2023/1/4</a:t>
+              <a:t>2023/1/11</a:t>
             </a:fld>
             <a:endParaRPr kumimoji="1" lang="zh-CN" altLang="en-US"/>
           </a:p>
@@ -1955,7 +1956,7 @@
           <a:p>
             <a:fld id="{E4551058-E5DB-324A-A8E9-6D3BEF243C3B}" type="datetimeFigureOut">
               <a:rPr kumimoji="1" lang="zh-CN" altLang="en-US" smtClean="0"/>
-              <a:t>2023/1/4</a:t>
+              <a:t>2023/1/11</a:t>
             </a:fld>
             <a:endParaRPr kumimoji="1" lang="zh-CN" altLang="en-US"/>
           </a:p>
@@ -2154,7 +2155,7 @@
           <a:p>
             <a:fld id="{E4551058-E5DB-324A-A8E9-6D3BEF243C3B}" type="datetimeFigureOut">
               <a:rPr kumimoji="1" lang="zh-CN" altLang="en-US" smtClean="0"/>
-              <a:t>2023/1/4</a:t>
+              <a:t>2023/1/11</a:t>
             </a:fld>
             <a:endParaRPr kumimoji="1" lang="zh-CN" altLang="en-US"/>
           </a:p>
@@ -2727,7 +2728,7 @@
           <a:p>
             <a:fld id="{E4551058-E5DB-324A-A8E9-6D3BEF243C3B}" type="datetimeFigureOut">
               <a:rPr kumimoji="1" lang="zh-CN" altLang="en-US" smtClean="0"/>
-              <a:t>2023/1/4</a:t>
+              <a:t>2023/1/11</a:t>
             </a:fld>
             <a:endParaRPr kumimoji="1" lang="zh-CN" altLang="en-US"/>
           </a:p>
@@ -3021,7 +3022,7 @@
           <a:p>
             <a:fld id="{E4551058-E5DB-324A-A8E9-6D3BEF243C3B}" type="datetimeFigureOut">
               <a:rPr kumimoji="1" lang="zh-CN" altLang="en-US" smtClean="0"/>
-              <a:t>2023/1/4</a:t>
+              <a:t>2023/1/11</a:t>
             </a:fld>
             <a:endParaRPr kumimoji="1" lang="zh-CN" altLang="en-US"/>
           </a:p>
@@ -3404,7 +3405,7 @@
           <a:p>
             <a:fld id="{E4551058-E5DB-324A-A8E9-6D3BEF243C3B}" type="datetimeFigureOut">
               <a:rPr kumimoji="1" lang="zh-CN" altLang="en-US" smtClean="0"/>
-              <a:t>2023/1/4</a:t>
+              <a:t>2023/1/11</a:t>
             </a:fld>
             <a:endParaRPr kumimoji="1" lang="zh-CN" altLang="en-US"/>
           </a:p>
@@ -3527,7 +3528,7 @@
           <a:p>
             <a:fld id="{E4551058-E5DB-324A-A8E9-6D3BEF243C3B}" type="datetimeFigureOut">
               <a:rPr kumimoji="1" lang="zh-CN" altLang="en-US" smtClean="0"/>
-              <a:t>2023/1/4</a:t>
+              <a:t>2023/1/11</a:t>
             </a:fld>
             <a:endParaRPr kumimoji="1" lang="zh-CN" altLang="en-US"/>
           </a:p>
@@ -3650,7 +3651,7 @@
           <a:p>
             <a:fld id="{E4551058-E5DB-324A-A8E9-6D3BEF243C3B}" type="datetimeFigureOut">
               <a:rPr kumimoji="1" lang="zh-CN" altLang="en-US" smtClean="0"/>
-              <a:t>2023/1/4</a:t>
+              <a:t>2023/1/11</a:t>
             </a:fld>
             <a:endParaRPr kumimoji="1" lang="zh-CN" altLang="en-US"/>
           </a:p>
@@ -4100,7 +4101,7 @@
           <a:p>
             <a:fld id="{E4551058-E5DB-324A-A8E9-6D3BEF243C3B}" type="datetimeFigureOut">
               <a:rPr kumimoji="1" lang="zh-CN" altLang="en-US" smtClean="0"/>
-              <a:t>2023/1/4</a:t>
+              <a:t>2023/1/11</a:t>
             </a:fld>
             <a:endParaRPr kumimoji="1" lang="zh-CN" altLang="en-US"/>
           </a:p>
@@ -4407,7 +4408,7 @@
           <a:p>
             <a:fld id="{E4551058-E5DB-324A-A8E9-6D3BEF243C3B}" type="datetimeFigureOut">
               <a:rPr kumimoji="1" lang="zh-CN" altLang="en-US" smtClean="0"/>
-              <a:t>2023/1/4</a:t>
+              <a:t>2023/1/11</a:t>
             </a:fld>
             <a:endParaRPr kumimoji="1" lang="zh-CN" altLang="en-US"/>
           </a:p>
@@ -5157,35 +5158,91 @@
       </p:grpSpPr>
       <p:sp>
         <p:nvSpPr>
-          <p:cNvPr id="2" name="标题 1"/>
-          <p:cNvSpPr>
-            <a:spLocks noGrp="1"/>
-          </p:cNvSpPr>
-          <p:nvPr>
-            <p:ph type="ctrTitle"/>
-          </p:nvPr>
-        </p:nvSpPr>
-        <p:spPr/>
+          <p:cNvPr id="2" name="内容占位符 1">
+            <a:extLst>
+              <a:ext uri="{FF2B5EF4-FFF2-40B4-BE49-F238E27FC236}">
+                <a16:creationId xmlns:a16="http://schemas.microsoft.com/office/drawing/2014/main" id="{4CEAE358-0C04-C648-980D-81F0955A45F4}"/>
+              </a:ext>
+            </a:extLst>
+          </p:cNvPr>
+          <p:cNvSpPr>
+            <a:spLocks noGrp="1"/>
+          </p:cNvSpPr>
+          <p:nvPr>
+            <p:ph idx="1"/>
+          </p:nvPr>
+        </p:nvSpPr>
+        <p:spPr>
+          <a:xfrm>
+            <a:off x="835306" y="1792872"/>
+            <a:ext cx="10654329" cy="4150728"/>
+          </a:xfrm>
+        </p:spPr>
         <p:txBody>
           <a:bodyPr/>
           <a:lstStyle/>
           <a:p>
-            <a:pPr algn="ctr"/>
             <a:r>
               <a:rPr lang="zh-CN" altLang="en-US" dirty="0"/>
-              <a:t>设计任务</a:t>
-            </a:r>
-          </a:p>
-        </p:txBody>
-      </p:sp>
-      <p:sp>
-        <p:nvSpPr>
-          <p:cNvPr id="3" name="副标题 2"/>
-          <p:cNvSpPr>
-            <a:spLocks noGrp="1"/>
-          </p:cNvSpPr>
-          <p:nvPr>
-            <p:ph type="subTitle" idx="1"/>
+              <a:t>徐奥淳：</a:t>
+            </a:r>
+            <a:r>
+              <a:rPr lang="en-US" altLang="zh-CN" dirty="0" err="1"/>
+              <a:t>rCore</a:t>
+            </a:r>
+            <a:r>
+              <a:rPr lang="en-US" altLang="zh-CN" dirty="0"/>
+              <a:t>-Tutorial</a:t>
+            </a:r>
+            <a:r>
+              <a:rPr lang="zh-CN" altLang="en-US" dirty="0"/>
+              <a:t>页面置换算法与多核同步互斥机制</a:t>
+            </a:r>
+            <a:endParaRPr lang="en-US" altLang="zh-CN" dirty="0"/>
+          </a:p>
+          <a:p>
+            <a:r>
+              <a:rPr kumimoji="1" lang="zh-CN" altLang="en-US" dirty="0"/>
+              <a:t>在 </a:t>
+            </a:r>
+            <a:r>
+              <a:rPr kumimoji="1" lang="en-US" altLang="zh-CN" dirty="0" err="1"/>
+              <a:t>rCore</a:t>
+            </a:r>
+            <a:r>
+              <a:rPr kumimoji="1" lang="en-US" altLang="zh-CN" dirty="0"/>
+              <a:t>-Tutorial</a:t>
+            </a:r>
+            <a:r>
+              <a:rPr kumimoji="1" lang="zh-CN" altLang="en-US" dirty="0"/>
+              <a:t> 框架下实现了多种页面置换算法，并进行了测试</a:t>
+            </a:r>
+          </a:p>
+          <a:p>
+            <a:pPr marL="0" indent="0">
+              <a:buNone/>
+            </a:pPr>
+            <a:endParaRPr lang="en-US" altLang="zh-CN" dirty="0"/>
+          </a:p>
+          <a:p>
+            <a:endParaRPr kumimoji="1" lang="zh-CN" altLang="en-US" dirty="0"/>
+          </a:p>
+        </p:txBody>
+      </p:sp>
+      <p:sp>
+        <p:nvSpPr>
+          <p:cNvPr id="3" name="标题 2">
+            <a:extLst>
+              <a:ext uri="{FF2B5EF4-FFF2-40B4-BE49-F238E27FC236}">
+                <a16:creationId xmlns:a16="http://schemas.microsoft.com/office/drawing/2014/main" id="{8345AEFF-81D1-8D40-BF16-B7B72AF26769}"/>
+              </a:ext>
+            </a:extLst>
+          </p:cNvPr>
+          <p:cNvSpPr>
+            <a:spLocks noGrp="1"/>
+          </p:cNvSpPr>
+          <p:nvPr>
+            <p:ph type="title"/>
           </p:nvPr>
         </p:nvSpPr>
         <p:spPr/>
@@ -5193,14 +5250,82 @@
           <a:bodyPr/>
           <a:lstStyle/>
           <a:p>
-            <a:endParaRPr lang="zh-CN" altLang="en-US" dirty="0"/>
-          </a:p>
-        </p:txBody>
-      </p:sp>
+            <a:r>
+              <a:rPr kumimoji="1" lang="zh-CN" altLang="en-US" cap="none" dirty="0"/>
+              <a:t>设计背景：</a:t>
+            </a:r>
+            <a:r>
+              <a:rPr lang="zh-CN" altLang="en-US" dirty="0"/>
+              <a:t>页面置换算法</a:t>
+            </a:r>
+            <a:endParaRPr kumimoji="1" lang="zh-CN" altLang="en-US" dirty="0"/>
+          </a:p>
+        </p:txBody>
+      </p:sp>
+      <p:pic>
+        <p:nvPicPr>
+          <p:cNvPr id="4" name="图片 3">
+            <a:extLst>
+              <a:ext uri="{FF2B5EF4-FFF2-40B4-BE49-F238E27FC236}">
+                <a16:creationId xmlns:a16="http://schemas.microsoft.com/office/drawing/2014/main" id="{F015AA7D-D8FE-F746-9208-E0E7945BDBE4}"/>
+              </a:ext>
+            </a:extLst>
+          </p:cNvPr>
+          <p:cNvPicPr>
+            <a:picLocks noChangeAspect="1"/>
+          </p:cNvPicPr>
+          <p:nvPr/>
+        </p:nvPicPr>
+        <p:blipFill>
+          <a:blip r:embed="rId2"/>
+          <a:stretch>
+            <a:fillRect/>
+          </a:stretch>
+        </p:blipFill>
+        <p:spPr>
+          <a:xfrm>
+            <a:off x="835306" y="2727738"/>
+            <a:ext cx="5215183" cy="2550491"/>
+          </a:xfrm>
+          <a:prstGeom prst="rect">
+            <a:avLst/>
+          </a:prstGeom>
+        </p:spPr>
+      </p:pic>
+      <p:pic>
+        <p:nvPicPr>
+          <p:cNvPr id="5" name="图片 4">
+            <a:extLst>
+              <a:ext uri="{FF2B5EF4-FFF2-40B4-BE49-F238E27FC236}">
+                <a16:creationId xmlns:a16="http://schemas.microsoft.com/office/drawing/2014/main" id="{2667E2CC-9CDE-DD4F-B230-EA187FD952AB}"/>
+              </a:ext>
+            </a:extLst>
+          </p:cNvPr>
+          <p:cNvPicPr>
+            <a:picLocks noChangeAspect="1"/>
+          </p:cNvPicPr>
+          <p:nvPr/>
+        </p:nvPicPr>
+        <p:blipFill>
+          <a:blip r:embed="rId3"/>
+          <a:stretch>
+            <a:fillRect/>
+          </a:stretch>
+        </p:blipFill>
+        <p:spPr>
+          <a:xfrm>
+            <a:off x="6162470" y="2727738"/>
+            <a:ext cx="5811867" cy="2610678"/>
+          </a:xfrm>
+          <a:prstGeom prst="rect">
+            <a:avLst/>
+          </a:prstGeom>
+        </p:spPr>
+      </p:pic>
     </p:spTree>
     <p:extLst>
       <p:ext uri="{BB962C8B-B14F-4D97-AF65-F5344CB8AC3E}">
-        <p14:creationId xmlns:p14="http://schemas.microsoft.com/office/powerpoint/2010/main" val="1657923796"/>
+        <p14:creationId xmlns:p14="http://schemas.microsoft.com/office/powerpoint/2010/main" val="4158287327"/>
       </p:ext>
     </p:extLst>
   </p:cSld>
@@ -5229,172 +5354,12 @@
       </p:grpSpPr>
       <p:sp>
         <p:nvSpPr>
-          <p:cNvPr id="2" name="内容占位符 1">
-            <a:extLst>
-              <a:ext uri="{FF2B5EF4-FFF2-40B4-BE49-F238E27FC236}">
-                <a16:creationId xmlns:a16="http://schemas.microsoft.com/office/drawing/2014/main" id="{C3A81F96-A35B-3E4D-A168-51446EB32946}"/>
-              </a:ext>
-            </a:extLst>
-          </p:cNvPr>
-          <p:cNvSpPr>
-            <a:spLocks noGrp="1"/>
-          </p:cNvSpPr>
-          <p:nvPr>
-            <p:ph idx="1"/>
-          </p:nvPr>
-        </p:nvSpPr>
-        <p:spPr/>
-        <p:txBody>
-          <a:bodyPr>
-            <a:normAutofit/>
-          </a:bodyPr>
-          <a:lstStyle/>
-          <a:p>
-            <a:r>
-              <a:rPr kumimoji="1" lang="zh-CN" altLang="en-US" dirty="0"/>
-              <a:t>向 </a:t>
-            </a:r>
-            <a:r>
-              <a:rPr kumimoji="1" lang="en-US" altLang="zh-CN" dirty="0" err="1"/>
-              <a:t>monoRCore</a:t>
-            </a:r>
-            <a:r>
-              <a:rPr kumimoji="1" lang="zh-CN" altLang="en-US" dirty="0"/>
-              <a:t> 中添加调度模块</a:t>
-            </a:r>
-            <a:endParaRPr kumimoji="1" lang="en-US" altLang="zh-CN" dirty="0"/>
-          </a:p>
-          <a:p>
-            <a:pPr lvl="1"/>
-            <a:r>
-              <a:rPr lang="zh-CN" altLang="en-US" dirty="0"/>
-              <a:t>设计调度模块对外提供的接口</a:t>
-            </a:r>
-            <a:endParaRPr lang="en-US" altLang="zh-CN" dirty="0"/>
-          </a:p>
-          <a:p>
-            <a:pPr lvl="2"/>
-            <a:r>
-              <a:rPr lang="zh-CN" altLang="en-US" dirty="0"/>
-              <a:t>进程切换时，给定当前任务池和被切换的任务，选择下一个被执行的任务</a:t>
-            </a:r>
-            <a:endParaRPr lang="en-US" altLang="zh-CN" dirty="0"/>
-          </a:p>
-          <a:p>
-            <a:pPr lvl="2"/>
-            <a:r>
-              <a:rPr lang="zh-CN" altLang="en-US" dirty="0"/>
-              <a:t>提供线程</a:t>
-            </a:r>
-            <a:r>
-              <a:rPr lang="en-US" altLang="zh-CN" dirty="0"/>
-              <a:t>/</a:t>
-            </a:r>
-            <a:r>
-              <a:rPr lang="zh-CN" altLang="en-US" dirty="0"/>
-              <a:t>进程生命周期钩子（</a:t>
-            </a:r>
-            <a:r>
-              <a:rPr lang="en-US" altLang="zh-CN" dirty="0"/>
-              <a:t>hook</a:t>
-            </a:r>
-            <a:r>
-              <a:rPr lang="zh-CN" altLang="en-US" dirty="0"/>
-              <a:t>），在线程</a:t>
-            </a:r>
-            <a:r>
-              <a:rPr lang="en-US" altLang="zh-CN" dirty="0"/>
-              <a:t>/</a:t>
-            </a:r>
-            <a:r>
-              <a:rPr lang="zh-CN" altLang="en-US" dirty="0"/>
-              <a:t>进程创建、切换、结束时更新调度模块中存储的信息</a:t>
-            </a:r>
-            <a:endParaRPr lang="en-US" altLang="zh-CN" dirty="0"/>
-          </a:p>
-          <a:p>
-            <a:pPr lvl="1"/>
-            <a:r>
-              <a:rPr kumimoji="1" lang="zh-CN" altLang="en-US" dirty="0"/>
-              <a:t>设计其他模块提供给调度模块的接口</a:t>
-            </a:r>
-            <a:endParaRPr kumimoji="1" lang="en-US" altLang="zh-CN" dirty="0"/>
-          </a:p>
-          <a:p>
-            <a:pPr lvl="2"/>
-            <a:r>
-              <a:rPr kumimoji="1" lang="zh-CN" altLang="en-US" dirty="0"/>
-              <a:t>调度模块根据线程</a:t>
-            </a:r>
-            <a:r>
-              <a:rPr kumimoji="1" lang="en-US" altLang="zh-CN" dirty="0"/>
-              <a:t>/</a:t>
-            </a:r>
-            <a:r>
-              <a:rPr kumimoji="1" lang="zh-CN" altLang="en-US" dirty="0"/>
-              <a:t>进程</a:t>
-            </a:r>
-            <a:r>
-              <a:rPr kumimoji="1" lang="en-US" altLang="zh-CN" dirty="0"/>
-              <a:t>ID</a:t>
-            </a:r>
-            <a:r>
-              <a:rPr kumimoji="1" lang="zh-CN" altLang="en-US" dirty="0"/>
-              <a:t>，维护必需的任务调度块扩展内容</a:t>
-            </a:r>
-            <a:endParaRPr kumimoji="1" lang="en-US" altLang="zh-CN" dirty="0"/>
-          </a:p>
-          <a:p>
-            <a:pPr lvl="2"/>
-            <a:r>
-              <a:rPr kumimoji="1" lang="zh-CN" altLang="en-US" dirty="0"/>
-              <a:t>允许调度模块扩展 </a:t>
-            </a:r>
-            <a:r>
-              <a:rPr kumimoji="1" lang="en-US" altLang="zh-CN" dirty="0" err="1"/>
-              <a:t>syscall</a:t>
-            </a:r>
-            <a:r>
-              <a:rPr kumimoji="1" lang="zh-CN" altLang="en-US" dirty="0"/>
-              <a:t> 部分：如添加 </a:t>
-            </a:r>
-            <a:r>
-              <a:rPr kumimoji="1" lang="en-US" altLang="zh-CN" dirty="0" err="1"/>
-              <a:t>set_priority</a:t>
-            </a:r>
-            <a:r>
-              <a:rPr kumimoji="1" lang="zh-CN" altLang="en-US" dirty="0"/>
-              <a:t> </a:t>
-            </a:r>
-            <a:endParaRPr kumimoji="1" lang="en-US" altLang="zh-CN" dirty="0"/>
-          </a:p>
-          <a:p>
-            <a:r>
-              <a:rPr kumimoji="1" lang="zh-CN" altLang="en-US" dirty="0"/>
-              <a:t>允许用户通过设置编译配置，选择其想用的调度算法</a:t>
-            </a:r>
-            <a:endParaRPr kumimoji="1" lang="en-US" altLang="zh-CN" dirty="0"/>
-          </a:p>
-          <a:p>
-            <a:pPr lvl="1"/>
-            <a:endParaRPr kumimoji="1" lang="en-US" altLang="zh-CN" dirty="0"/>
-          </a:p>
-        </p:txBody>
-      </p:sp>
-      <p:sp>
-        <p:nvSpPr>
-          <p:cNvPr id="3" name="标题 2">
-            <a:extLst>
-              <a:ext uri="{FF2B5EF4-FFF2-40B4-BE49-F238E27FC236}">
-                <a16:creationId xmlns:a16="http://schemas.microsoft.com/office/drawing/2014/main" id="{185CD80B-DAC0-CD44-BDEA-EC751F068655}"/>
-              </a:ext>
-            </a:extLst>
-          </p:cNvPr>
-          <p:cNvSpPr>
-            <a:spLocks noGrp="1"/>
-          </p:cNvSpPr>
-          <p:nvPr>
-            <p:ph type="title"/>
+          <p:cNvPr id="2" name="标题 1"/>
+          <p:cNvSpPr>
+            <a:spLocks noGrp="1"/>
+          </p:cNvSpPr>
+          <p:nvPr>
+            <p:ph type="ctrTitle"/>
           </p:nvPr>
         </p:nvSpPr>
         <p:spPr/>
@@ -5402,17 +5367,37 @@
           <a:bodyPr/>
           <a:lstStyle/>
           <a:p>
-            <a:r>
-              <a:rPr kumimoji="1" lang="zh-CN" altLang="en-US" dirty="0"/>
-              <a:t>设计任务：调度模块</a:t>
-            </a:r>
+            <a:pPr algn="ctr"/>
+            <a:r>
+              <a:rPr lang="zh-CN" altLang="en-US" dirty="0"/>
+              <a:t>设计任务</a:t>
+            </a:r>
+          </a:p>
+        </p:txBody>
+      </p:sp>
+      <p:sp>
+        <p:nvSpPr>
+          <p:cNvPr id="3" name="副标题 2"/>
+          <p:cNvSpPr>
+            <a:spLocks noGrp="1"/>
+          </p:cNvSpPr>
+          <p:nvPr>
+            <p:ph type="subTitle" idx="1"/>
+          </p:nvPr>
+        </p:nvSpPr>
+        <p:spPr/>
+        <p:txBody>
+          <a:bodyPr/>
+          <a:lstStyle/>
+          <a:p>
+            <a:endParaRPr lang="zh-CN" altLang="en-US" dirty="0"/>
           </a:p>
         </p:txBody>
       </p:sp>
     </p:spTree>
     <p:extLst>
       <p:ext uri="{BB962C8B-B14F-4D97-AF65-F5344CB8AC3E}">
-        <p14:creationId xmlns:p14="http://schemas.microsoft.com/office/powerpoint/2010/main" val="1476961065"/>
+        <p14:creationId xmlns:p14="http://schemas.microsoft.com/office/powerpoint/2010/main" val="1657923796"/>
       </p:ext>
     </p:extLst>
   </p:cSld>
@@ -5444,7 +5429,7 @@
           <p:cNvPr id="2" name="内容占位符 1">
             <a:extLst>
               <a:ext uri="{FF2B5EF4-FFF2-40B4-BE49-F238E27FC236}">
-                <a16:creationId xmlns:a16="http://schemas.microsoft.com/office/drawing/2014/main" id="{D148AE7E-03F7-784C-A5DF-68B3E60891A4}"/>
+                <a16:creationId xmlns:a16="http://schemas.microsoft.com/office/drawing/2014/main" id="{C3A81F96-A35B-3E4D-A168-51446EB32946}"/>
               </a:ext>
             </a:extLst>
           </p:cNvPr>
@@ -5468,62 +5453,27 @@
             </a:r>
             <a:r>
               <a:rPr kumimoji="1" lang="en-US" altLang="zh-CN" dirty="0" err="1"/>
-              <a:t>syscall</a:t>
-            </a:r>
-            <a:r>
-              <a:rPr kumimoji="1" lang="zh-CN" altLang="en-US" dirty="0"/>
-              <a:t> 模块，增加 </a:t>
-            </a:r>
-            <a:r>
-              <a:rPr kumimoji="1" lang="en-US" altLang="zh-CN" dirty="0"/>
-              <a:t>map</a:t>
-            </a:r>
-            <a:r>
-              <a:rPr kumimoji="1" lang="zh-CN" altLang="en-US" dirty="0"/>
-              <a:t> 和 </a:t>
-            </a:r>
-            <a:r>
-              <a:rPr kumimoji="1" lang="en-US" altLang="zh-CN" dirty="0" err="1"/>
-              <a:t>unmap</a:t>
-            </a:r>
-            <a:r>
-              <a:rPr kumimoji="1" lang="zh-CN" altLang="en-US" dirty="0"/>
-              <a:t> 系统调用</a:t>
+              <a:t>monoRCore</a:t>
+            </a:r>
+            <a:r>
+              <a:rPr kumimoji="1" lang="zh-CN" altLang="en-US" dirty="0"/>
+              <a:t> 中的调度模块</a:t>
             </a:r>
             <a:endParaRPr kumimoji="1" lang="en-US" altLang="zh-CN" dirty="0"/>
           </a:p>
           <a:p>
-            <a:r>
-              <a:rPr kumimoji="1" lang="zh-CN" altLang="en-US" dirty="0"/>
-              <a:t>向 </a:t>
-            </a:r>
-            <a:r>
-              <a:rPr kumimoji="1" lang="en-US" altLang="zh-CN" dirty="0" err="1"/>
-              <a:t>monoRCore</a:t>
-            </a:r>
-            <a:r>
-              <a:rPr kumimoji="1" lang="zh-CN" altLang="en-US" dirty="0"/>
-              <a:t> 中添加页面置换模块</a:t>
-            </a:r>
-            <a:endParaRPr kumimoji="1" lang="en-US" altLang="zh-CN" dirty="0"/>
-          </a:p>
-          <a:p>
             <a:pPr lvl="1"/>
             <a:r>
               <a:rPr lang="zh-CN" altLang="en-US" dirty="0"/>
-              <a:t>设计页面置换模块对外提供的接口</a:t>
+              <a:t>设计调度模块对外提供的接口</a:t>
             </a:r>
             <a:endParaRPr lang="en-US" altLang="zh-CN" dirty="0"/>
           </a:p>
           <a:p>
             <a:pPr lvl="2"/>
             <a:r>
-              <a:rPr lang="en-US" altLang="zh-CN" dirty="0" err="1"/>
-              <a:t>PageFault</a:t>
-            </a:r>
-            <a:r>
               <a:rPr lang="zh-CN" altLang="en-US" dirty="0"/>
-              <a:t> 处理接口</a:t>
+              <a:t>进程切换时，给定当前任务池和被切换的任务，选择下一个被执行的任务</a:t>
             </a:r>
             <a:endParaRPr lang="en-US" altLang="zh-CN" dirty="0"/>
           </a:p>
@@ -5531,7 +5481,15 @@
             <a:pPr lvl="2"/>
             <a:r>
               <a:rPr lang="zh-CN" altLang="en-US" dirty="0"/>
-              <a:t>读取、写入、创建页面的 页面生命周期钩子（</a:t>
+              <a:t>提供线程</a:t>
+            </a:r>
+            <a:r>
+              <a:rPr lang="en-US" altLang="zh-CN" dirty="0"/>
+              <a:t>/</a:t>
+            </a:r>
+            <a:r>
+              <a:rPr lang="zh-CN" altLang="en-US" dirty="0"/>
+              <a:t>进程生命周期钩子（</a:t>
             </a:r>
             <a:r>
               <a:rPr lang="en-US" altLang="zh-CN" dirty="0"/>
@@ -5539,17 +5497,85 @@
             </a:r>
             <a:r>
               <a:rPr lang="zh-CN" altLang="en-US" dirty="0"/>
-              <a:t>）</a:t>
+              <a:t>），在线程</a:t>
+            </a:r>
+            <a:r>
+              <a:rPr lang="en-US" altLang="zh-CN" dirty="0"/>
+              <a:t>/</a:t>
+            </a:r>
+            <a:r>
+              <a:rPr lang="zh-CN" altLang="en-US" dirty="0"/>
+              <a:t>进程创建、切换、结束时更新调度模块中存储的信息</a:t>
             </a:r>
             <a:endParaRPr lang="en-US" altLang="zh-CN" dirty="0"/>
           </a:p>
           <a:p>
-            <a:r>
-              <a:rPr kumimoji="1" lang="zh-CN" altLang="en-US" dirty="0"/>
-              <a:t>允许用户通过设置编译配置，选择其想用的页面置换算法，或者不采用任何页面置换算法</a:t>
+            <a:pPr lvl="1"/>
+            <a:r>
+              <a:rPr kumimoji="1" lang="zh-CN" altLang="en-US" dirty="0"/>
+              <a:t>设计其他模块提供给调度模块的接口</a:t>
             </a:r>
             <a:endParaRPr kumimoji="1" lang="en-US" altLang="zh-CN" dirty="0"/>
           </a:p>
+          <a:p>
+            <a:pPr lvl="2"/>
+            <a:r>
+              <a:rPr kumimoji="1" lang="zh-CN" altLang="en-US" dirty="0"/>
+              <a:t>调度模块根据线程</a:t>
+            </a:r>
+            <a:r>
+              <a:rPr kumimoji="1" lang="en-US" altLang="zh-CN" dirty="0"/>
+              <a:t>/</a:t>
+            </a:r>
+            <a:r>
+              <a:rPr kumimoji="1" lang="zh-CN" altLang="en-US" dirty="0"/>
+              <a:t>进程</a:t>
+            </a:r>
+            <a:r>
+              <a:rPr kumimoji="1" lang="en-US" altLang="zh-CN" dirty="0"/>
+              <a:t>ID</a:t>
+            </a:r>
+            <a:r>
+              <a:rPr kumimoji="1" lang="zh-CN" altLang="en-US" dirty="0"/>
+              <a:t>，维护必需的任务调度块扩展内容</a:t>
+            </a:r>
+            <a:endParaRPr kumimoji="1" lang="en-US" altLang="zh-CN" dirty="0"/>
+          </a:p>
+          <a:p>
+            <a:pPr lvl="2"/>
+            <a:r>
+              <a:rPr kumimoji="1" lang="zh-CN" altLang="en-US" dirty="0"/>
+              <a:t>允许调度模块扩展 </a:t>
+            </a:r>
+            <a:r>
+              <a:rPr kumimoji="1" lang="en-US" altLang="zh-CN" dirty="0" err="1"/>
+              <a:t>syscall</a:t>
+            </a:r>
+            <a:r>
+              <a:rPr kumimoji="1" lang="zh-CN" altLang="en-US" dirty="0"/>
+              <a:t> 部分：如添加 </a:t>
+            </a:r>
+            <a:r>
+              <a:rPr kumimoji="1" lang="en-US" altLang="zh-CN" dirty="0" err="1"/>
+              <a:t>set_priority</a:t>
+            </a:r>
+            <a:r>
+              <a:rPr kumimoji="1" lang="zh-CN" altLang="en-US" dirty="0"/>
+              <a:t> </a:t>
+            </a:r>
+            <a:endParaRPr kumimoji="1" lang="en-US" altLang="zh-CN" dirty="0"/>
+          </a:p>
+          <a:p>
+            <a:r>
+              <a:rPr kumimoji="1" lang="zh-CN" altLang="en-US" dirty="0"/>
+              <a:t>允许用户通过设置编译配置，选择其想用的调度算法</a:t>
+            </a:r>
+            <a:endParaRPr kumimoji="1" lang="en-US" altLang="zh-CN" dirty="0"/>
+          </a:p>
+          <a:p>
+            <a:pPr lvl="1"/>
+            <a:endParaRPr kumimoji="1" lang="en-US" altLang="zh-CN" dirty="0"/>
+          </a:p>
         </p:txBody>
       </p:sp>
       <p:sp>
@@ -5557,7 +5583,7 @@
           <p:cNvPr id="3" name="标题 2">
             <a:extLst>
               <a:ext uri="{FF2B5EF4-FFF2-40B4-BE49-F238E27FC236}">
-                <a16:creationId xmlns:a16="http://schemas.microsoft.com/office/drawing/2014/main" id="{EEA42E42-C369-B047-8B16-6C19B86AD39D}"/>
+                <a16:creationId xmlns:a16="http://schemas.microsoft.com/office/drawing/2014/main" id="{185CD80B-DAC0-CD44-BDEA-EC751F068655}"/>
               </a:ext>
             </a:extLst>
           </p:cNvPr>
@@ -5575,7 +5601,7 @@
           <a:p>
             <a:r>
               <a:rPr kumimoji="1" lang="zh-CN" altLang="en-US" dirty="0"/>
-              <a:t>设计任务：页面置换模块</a:t>
+              <a:t>设计任务：调度模块</a:t>
             </a:r>
           </a:p>
         </p:txBody>
@@ -5583,7 +5609,7 @@
     </p:spTree>
     <p:extLst>
       <p:ext uri="{BB962C8B-B14F-4D97-AF65-F5344CB8AC3E}">
-        <p14:creationId xmlns:p14="http://schemas.microsoft.com/office/powerpoint/2010/main" val="3855329093"/>
+        <p14:creationId xmlns:p14="http://schemas.microsoft.com/office/powerpoint/2010/main" val="1476961065"/>
       </p:ext>
     </p:extLst>
   </p:cSld>
@@ -5612,12 +5638,131 @@
       </p:grpSpPr>
       <p:sp>
         <p:nvSpPr>
-          <p:cNvPr id="2" name="标题 1"/>
-          <p:cNvSpPr>
-            <a:spLocks noGrp="1"/>
-          </p:cNvSpPr>
-          <p:nvPr>
-            <p:ph type="ctrTitle"/>
+          <p:cNvPr id="2" name="内容占位符 1">
+            <a:extLst>
+              <a:ext uri="{FF2B5EF4-FFF2-40B4-BE49-F238E27FC236}">
+                <a16:creationId xmlns:a16="http://schemas.microsoft.com/office/drawing/2014/main" id="{D148AE7E-03F7-784C-A5DF-68B3E60891A4}"/>
+              </a:ext>
+            </a:extLst>
+          </p:cNvPr>
+          <p:cNvSpPr>
+            <a:spLocks noGrp="1"/>
+          </p:cNvSpPr>
+          <p:nvPr>
+            <p:ph idx="1"/>
+          </p:nvPr>
+        </p:nvSpPr>
+        <p:spPr/>
+        <p:txBody>
+          <a:bodyPr>
+            <a:normAutofit/>
+          </a:bodyPr>
+          <a:lstStyle/>
+          <a:p>
+            <a:r>
+              <a:rPr kumimoji="1" lang="zh-CN" altLang="en-US" dirty="0"/>
+              <a:t>完善 </a:t>
+            </a:r>
+            <a:r>
+              <a:rPr kumimoji="1" lang="en-US" altLang="zh-CN" dirty="0" err="1"/>
+              <a:t>syscall</a:t>
+            </a:r>
+            <a:r>
+              <a:rPr kumimoji="1" lang="zh-CN" altLang="en-US" dirty="0"/>
+              <a:t> 模块，增加 </a:t>
+            </a:r>
+            <a:r>
+              <a:rPr kumimoji="1" lang="en-US" altLang="zh-CN" dirty="0"/>
+              <a:t>map</a:t>
+            </a:r>
+            <a:r>
+              <a:rPr kumimoji="1" lang="zh-CN" altLang="en-US" dirty="0"/>
+              <a:t> 和 </a:t>
+            </a:r>
+            <a:r>
+              <a:rPr kumimoji="1" lang="en-US" altLang="zh-CN" dirty="0" err="1"/>
+              <a:t>unmap</a:t>
+            </a:r>
+            <a:r>
+              <a:rPr kumimoji="1" lang="zh-CN" altLang="en-US" dirty="0"/>
+              <a:t> 系统调用</a:t>
+            </a:r>
+            <a:endParaRPr kumimoji="1" lang="en-US" altLang="zh-CN" dirty="0"/>
+          </a:p>
+          <a:p>
+            <a:r>
+              <a:rPr kumimoji="1" lang="zh-CN" altLang="en-US" dirty="0"/>
+              <a:t>向 </a:t>
+            </a:r>
+            <a:r>
+              <a:rPr kumimoji="1" lang="en-US" altLang="zh-CN" dirty="0" err="1"/>
+              <a:t>monoRCore</a:t>
+            </a:r>
+            <a:r>
+              <a:rPr kumimoji="1" lang="zh-CN" altLang="en-US" dirty="0"/>
+              <a:t> 中添加页面置换模块</a:t>
+            </a:r>
+            <a:endParaRPr kumimoji="1" lang="en-US" altLang="zh-CN" dirty="0"/>
+          </a:p>
+          <a:p>
+            <a:pPr lvl="1"/>
+            <a:r>
+              <a:rPr lang="zh-CN" altLang="en-US" dirty="0"/>
+              <a:t>设计页面置换模块对外提供的接口</a:t>
+            </a:r>
+            <a:endParaRPr lang="en-US" altLang="zh-CN" dirty="0"/>
+          </a:p>
+          <a:p>
+            <a:pPr lvl="2"/>
+            <a:r>
+              <a:rPr lang="en-US" altLang="zh-CN" dirty="0" err="1"/>
+              <a:t>PageFault</a:t>
+            </a:r>
+            <a:r>
+              <a:rPr lang="zh-CN" altLang="en-US" dirty="0"/>
+              <a:t> 处理接口</a:t>
+            </a:r>
+            <a:endParaRPr lang="en-US" altLang="zh-CN" dirty="0"/>
+          </a:p>
+          <a:p>
+            <a:pPr lvl="2"/>
+            <a:r>
+              <a:rPr lang="zh-CN" altLang="en-US" dirty="0"/>
+              <a:t>读取、写入、创建页面的 页面生命周期钩子（</a:t>
+            </a:r>
+            <a:r>
+              <a:rPr lang="en-US" altLang="zh-CN" dirty="0"/>
+              <a:t>hook</a:t>
+            </a:r>
+            <a:r>
+              <a:rPr lang="zh-CN" altLang="en-US" dirty="0"/>
+              <a:t>）</a:t>
+            </a:r>
+            <a:endParaRPr lang="en-US" altLang="zh-CN" dirty="0"/>
+          </a:p>
+          <a:p>
+            <a:r>
+              <a:rPr kumimoji="1" lang="zh-CN" altLang="en-US" dirty="0"/>
+              <a:t>允许用户通过设置编译配置，选择其想用的页面置换算法，或者不采用任何页面置换算法</a:t>
+            </a:r>
+            <a:endParaRPr kumimoji="1" lang="en-US" altLang="zh-CN" dirty="0"/>
+          </a:p>
+        </p:txBody>
+      </p:sp>
+      <p:sp>
+        <p:nvSpPr>
+          <p:cNvPr id="3" name="标题 2">
+            <a:extLst>
+              <a:ext uri="{FF2B5EF4-FFF2-40B4-BE49-F238E27FC236}">
+                <a16:creationId xmlns:a16="http://schemas.microsoft.com/office/drawing/2014/main" id="{EEA42E42-C369-B047-8B16-6C19B86AD39D}"/>
+              </a:ext>
+            </a:extLst>
+          </p:cNvPr>
+          <p:cNvSpPr>
+            <a:spLocks noGrp="1"/>
+          </p:cNvSpPr>
+          <p:nvPr>
+            <p:ph type="title"/>
           </p:nvPr>
         </p:nvSpPr>
         <p:spPr/>
@@ -5625,37 +5770,17 @@
           <a:bodyPr/>
           <a:lstStyle/>
           <a:p>
-            <a:pPr algn="ctr"/>
-            <a:r>
-              <a:rPr lang="zh-CN" altLang="en-US" dirty="0"/>
-              <a:t>设计规划</a:t>
-            </a:r>
-          </a:p>
-        </p:txBody>
-      </p:sp>
-      <p:sp>
-        <p:nvSpPr>
-          <p:cNvPr id="3" name="副标题 2"/>
-          <p:cNvSpPr>
-            <a:spLocks noGrp="1"/>
-          </p:cNvSpPr>
-          <p:nvPr>
-            <p:ph type="subTitle" idx="1"/>
-          </p:nvPr>
-        </p:nvSpPr>
-        <p:spPr/>
-        <p:txBody>
-          <a:bodyPr/>
-          <a:lstStyle/>
-          <a:p>
-            <a:endParaRPr lang="zh-CN" altLang="en-US" dirty="0"/>
+            <a:r>
+              <a:rPr kumimoji="1" lang="zh-CN" altLang="en-US" dirty="0"/>
+              <a:t>设计任务：页面置换模块</a:t>
+            </a:r>
           </a:p>
         </p:txBody>
       </p:sp>
     </p:spTree>
     <p:extLst>
       <p:ext uri="{BB962C8B-B14F-4D97-AF65-F5344CB8AC3E}">
-        <p14:creationId xmlns:p14="http://schemas.microsoft.com/office/powerpoint/2010/main" val="379167543"/>
+        <p14:creationId xmlns:p14="http://schemas.microsoft.com/office/powerpoint/2010/main" val="3855329093"/>
       </p:ext>
     </p:extLst>
   </p:cSld>
@@ -5684,6 +5809,78 @@
       </p:grpSpPr>
       <p:sp>
         <p:nvSpPr>
+          <p:cNvPr id="2" name="标题 1"/>
+          <p:cNvSpPr>
+            <a:spLocks noGrp="1"/>
+          </p:cNvSpPr>
+          <p:nvPr>
+            <p:ph type="ctrTitle"/>
+          </p:nvPr>
+        </p:nvSpPr>
+        <p:spPr/>
+        <p:txBody>
+          <a:bodyPr/>
+          <a:lstStyle/>
+          <a:p>
+            <a:pPr algn="ctr"/>
+            <a:r>
+              <a:rPr lang="zh-CN" altLang="en-US" dirty="0"/>
+              <a:t>设计规划</a:t>
+            </a:r>
+          </a:p>
+        </p:txBody>
+      </p:sp>
+      <p:sp>
+        <p:nvSpPr>
+          <p:cNvPr id="3" name="副标题 2"/>
+          <p:cNvSpPr>
+            <a:spLocks noGrp="1"/>
+          </p:cNvSpPr>
+          <p:nvPr>
+            <p:ph type="subTitle" idx="1"/>
+          </p:nvPr>
+        </p:nvSpPr>
+        <p:spPr/>
+        <p:txBody>
+          <a:bodyPr/>
+          <a:lstStyle/>
+          <a:p>
+            <a:endParaRPr lang="zh-CN" altLang="en-US" dirty="0"/>
+          </a:p>
+        </p:txBody>
+      </p:sp>
+    </p:spTree>
+    <p:extLst>
+      <p:ext uri="{BB962C8B-B14F-4D97-AF65-F5344CB8AC3E}">
+        <p14:creationId xmlns:p14="http://schemas.microsoft.com/office/powerpoint/2010/main" val="379167543"/>
+      </p:ext>
+    </p:extLst>
+  </p:cSld>
+  <p:clrMapOvr>
+    <a:masterClrMapping/>
+  </p:clrMapOvr>
+</p:sld>
+</file>
+
+<file path=ppt/slides/slide15.xml><?xml version="1.0" encoding="utf-8"?>
+<p:sld xmlns:a="http://schemas.openxmlformats.org/drawingml/2006/main" xmlns:r="http://schemas.openxmlformats.org/officeDocument/2006/relationships" xmlns:p="http://schemas.openxmlformats.org/presentationml/2006/main">
+  <p:cSld>
+    <p:spTree>
+      <p:nvGrpSpPr>
+        <p:cNvPr id="1" name=""/>
+        <p:cNvGrpSpPr/>
+        <p:nvPr/>
+      </p:nvGrpSpPr>
+      <p:grpSpPr>
+        <a:xfrm>
+          <a:off x="0" y="0"/>
+          <a:ext cx="0" cy="0"/>
+          <a:chOff x="0" y="0"/>
+          <a:chExt cx="0" cy="0"/>
+        </a:xfrm>
+      </p:grpSpPr>
+      <p:sp>
+        <p:nvSpPr>
           <p:cNvPr id="2" name="内容占位符 1">
             <a:extLst>
               <a:ext uri="{FF2B5EF4-FFF2-40B4-BE49-F238E27FC236}">
@@ -5731,12 +5928,16 @@
               <a:t>阅读 </a:t>
             </a:r>
             <a:r>
-              <a:rPr kumimoji="1" lang="en-US" altLang="zh-CN" dirty="0" err="1"/>
+              <a:rPr lang="en-US" altLang="zh-CN" dirty="0" err="1"/>
               <a:t>monoRCore</a:t>
             </a:r>
             <a:r>
-              <a:rPr kumimoji="1" lang="zh-CN" altLang="en-US" dirty="0"/>
-              <a:t> 和其他前序工作的相关代码，初步设计模块接口和模块接入方案</a:t>
+              <a:rPr lang="zh-CN" altLang="en-US" dirty="0"/>
+              <a:t> </a:t>
+            </a:r>
+            <a:r>
+              <a:rPr kumimoji="1" lang="zh-CN" altLang="en-US" dirty="0"/>
+              <a:t>和其他前序工作的相关代码，初步设计模块接口和模块接入方案</a:t>
             </a:r>
             <a:endParaRPr kumimoji="1" lang="en-US" altLang="zh-CN" dirty="0"/>
           </a:p>
@@ -5759,7 +5960,7 @@
             <a:pPr lvl="1"/>
             <a:r>
               <a:rPr kumimoji="1" lang="zh-CN" altLang="en-US" dirty="0"/>
-              <a:t>实现调度模块</a:t>
+              <a:t>完善调度模块</a:t>
             </a:r>
             <a:endParaRPr kumimoji="1" lang="en-US" altLang="zh-CN" dirty="0"/>
           </a:p>
@@ -5809,7 +6010,7 @@
             <a:pPr lvl="1"/>
             <a:r>
               <a:rPr kumimoji="1" lang="zh-CN" altLang="en-US" dirty="0"/>
-              <a:t>完善相关模块的实现，测试编译配置下的 </a:t>
+              <a:t>完善相关模块的实现，测试各种编译配置下的 </a:t>
             </a:r>
             <a:r>
               <a:rPr kumimoji="1" lang="en-US" altLang="zh-CN" dirty="0" err="1"/>
@@ -5872,7 +6073,7 @@
 </p:sld>
 </file>
 
-<file path=ppt/slides/slide15.xml><?xml version="1.0" encoding="utf-8"?>
+<file path=ppt/slides/slide16.xml><?xml version="1.0" encoding="utf-8"?>
 <p:sld xmlns:a="http://schemas.openxmlformats.org/drawingml/2006/main" xmlns:r="http://schemas.openxmlformats.org/officeDocument/2006/relationships" xmlns:p="http://schemas.openxmlformats.org/presentationml/2006/main">
   <p:cSld>
     <p:spTree>
@@ -6024,6 +6225,203 @@
           <a:p>
             <a:r>
               <a:rPr kumimoji="1" lang="zh-CN" altLang="en-US" dirty="0"/>
+              <a:t>完善 </a:t>
+            </a:r>
+            <a:r>
+              <a:rPr lang="en-US" altLang="zh-CN" dirty="0" err="1"/>
+              <a:t>rcore</a:t>
+            </a:r>
+            <a:r>
+              <a:rPr lang="en-US" altLang="zh-CN" dirty="0"/>
+              <a:t> tutorial</a:t>
+            </a:r>
+            <a:r>
+              <a:rPr lang="zh-CN" altLang="en-US" dirty="0"/>
+              <a:t> 模块化（</a:t>
+            </a:r>
+            <a:r>
+              <a:rPr lang="en-US" altLang="zh-CN" dirty="0" err="1"/>
+              <a:t>monoRCore</a:t>
+            </a:r>
+            <a:r>
+              <a:rPr lang="zh-CN" altLang="en-US" dirty="0"/>
+              <a:t>） 操作系统</a:t>
+            </a:r>
+            <a:endParaRPr kumimoji="1" lang="en-US" altLang="zh-CN" dirty="0"/>
+          </a:p>
+          <a:p>
+            <a:pPr lvl="1"/>
+            <a:r>
+              <a:rPr kumimoji="1" lang="zh-CN" altLang="en-US" dirty="0"/>
+              <a:t>修改调度模块，使其能支持各种调度算法</a:t>
+            </a:r>
+            <a:endParaRPr kumimoji="1" lang="en-US" altLang="zh-CN" dirty="0"/>
+          </a:p>
+          <a:p>
+            <a:pPr lvl="1"/>
+            <a:r>
+              <a:rPr kumimoji="1" lang="zh-CN" altLang="en-US" dirty="0"/>
+              <a:t>添加页面置换模块</a:t>
+            </a:r>
+            <a:endParaRPr kumimoji="1" lang="en-US" altLang="zh-CN" dirty="0"/>
+          </a:p>
+          <a:p>
+            <a:pPr lvl="1"/>
+            <a:r>
+              <a:rPr kumimoji="1" lang="zh-CN" altLang="en-US" dirty="0"/>
+              <a:t>方便未来持续改进</a:t>
+            </a:r>
+            <a:endParaRPr kumimoji="1" lang="en-US" altLang="zh-CN" dirty="0"/>
+          </a:p>
+          <a:p>
+            <a:pPr lvl="1"/>
+            <a:endParaRPr kumimoji="1" lang="en-US" altLang="zh-CN" dirty="0"/>
+          </a:p>
+          <a:p>
+            <a:r>
+              <a:rPr lang="en-US" altLang="zh-CN" dirty="0" err="1"/>
+              <a:t>rcore</a:t>
+            </a:r>
+            <a:r>
+              <a:rPr lang="en-US" altLang="zh-CN" dirty="0"/>
+              <a:t> tutorial</a:t>
+            </a:r>
+            <a:r>
+              <a:rPr lang="zh-CN" altLang="en-US" dirty="0"/>
+              <a:t> 是操作系统课程使用的教学 </a:t>
+            </a:r>
+            <a:r>
+              <a:rPr lang="en-US" altLang="zh-CN" dirty="0" err="1"/>
+              <a:t>os</a:t>
+            </a:r>
+            <a:r>
+              <a:rPr lang="zh-CN" altLang="en-US" dirty="0"/>
+              <a:t>，属于非模块化的操作系统</a:t>
+            </a:r>
+            <a:endParaRPr lang="en-US" altLang="zh-CN" dirty="0"/>
+          </a:p>
+          <a:p>
+            <a:r>
+              <a:rPr lang="en-US" altLang="zh-CN" dirty="0" err="1"/>
+              <a:t>monoRCore</a:t>
+            </a:r>
+            <a:r>
+              <a:rPr lang="zh-CN" altLang="en-US" dirty="0"/>
+              <a:t> 操作系统</a:t>
+            </a:r>
+            <a:r>
+              <a:rPr kumimoji="1" lang="zh-CN" altLang="en-US" dirty="0"/>
+              <a:t>在 </a:t>
+            </a:r>
+            <a:r>
+              <a:rPr lang="en-US" altLang="zh-CN" dirty="0" err="1"/>
+              <a:t>rcore</a:t>
+            </a:r>
+            <a:r>
+              <a:rPr lang="en-US" altLang="zh-CN" dirty="0"/>
+              <a:t> tutorial</a:t>
+            </a:r>
+            <a:r>
+              <a:rPr lang="zh-CN" altLang="en-US" dirty="0"/>
+              <a:t> 的基础上，对 </a:t>
+            </a:r>
+            <a:r>
+              <a:rPr lang="en-US" altLang="zh-CN" dirty="0" err="1"/>
+              <a:t>rcore</a:t>
+            </a:r>
+            <a:r>
+              <a:rPr lang="en-US" altLang="zh-CN" dirty="0"/>
+              <a:t> tutorial</a:t>
+            </a:r>
+            <a:r>
+              <a:rPr lang="zh-CN" altLang="en-US" dirty="0"/>
+              <a:t> 进行了模块化封装</a:t>
+            </a:r>
+            <a:endParaRPr kumimoji="1" lang="en-US" altLang="zh-CN" dirty="0"/>
+          </a:p>
+        </p:txBody>
+      </p:sp>
+      <p:sp>
+        <p:nvSpPr>
+          <p:cNvPr id="3" name="标题 2">
+            <a:extLst>
+              <a:ext uri="{FF2B5EF4-FFF2-40B4-BE49-F238E27FC236}">
+                <a16:creationId xmlns:a16="http://schemas.microsoft.com/office/drawing/2014/main" id="{E5F20C5C-BE5B-F640-B2EF-4F8488015860}"/>
+              </a:ext>
+            </a:extLst>
+          </p:cNvPr>
+          <p:cNvSpPr>
+            <a:spLocks noGrp="1"/>
+          </p:cNvSpPr>
+          <p:nvPr>
+            <p:ph type="title"/>
+          </p:nvPr>
+        </p:nvSpPr>
+        <p:spPr/>
+        <p:txBody>
+          <a:bodyPr/>
+          <a:lstStyle/>
+          <a:p>
+            <a:r>
+              <a:rPr kumimoji="1" lang="zh-CN" altLang="en-US" dirty="0"/>
+              <a:t>设计背景：课题内容</a:t>
+            </a:r>
+          </a:p>
+        </p:txBody>
+      </p:sp>
+    </p:spTree>
+    <p:extLst>
+      <p:ext uri="{BB962C8B-B14F-4D97-AF65-F5344CB8AC3E}">
+        <p14:creationId xmlns:p14="http://schemas.microsoft.com/office/powerpoint/2010/main" val="2025576156"/>
+      </p:ext>
+    </p:extLst>
+  </p:cSld>
+  <p:clrMapOvr>
+    <a:masterClrMapping/>
+  </p:clrMapOvr>
+</p:sld>
+</file>
+
+<file path=ppt/slides/slide4.xml><?xml version="1.0" encoding="utf-8"?>
+<p:sld xmlns:a="http://schemas.openxmlformats.org/drawingml/2006/main" xmlns:r="http://schemas.openxmlformats.org/officeDocument/2006/relationships" xmlns:p="http://schemas.openxmlformats.org/presentationml/2006/main">
+  <p:cSld>
+    <p:spTree>
+      <p:nvGrpSpPr>
+        <p:cNvPr id="1" name=""/>
+        <p:cNvGrpSpPr/>
+        <p:nvPr/>
+      </p:nvGrpSpPr>
+      <p:grpSpPr>
+        <a:xfrm>
+          <a:off x="0" y="0"/>
+          <a:ext cx="0" cy="0"/>
+          <a:chOff x="0" y="0"/>
+          <a:chExt cx="0" cy="0"/>
+        </a:xfrm>
+      </p:grpSpPr>
+      <p:sp>
+        <p:nvSpPr>
+          <p:cNvPr id="2" name="内容占位符 1">
+            <a:extLst>
+              <a:ext uri="{FF2B5EF4-FFF2-40B4-BE49-F238E27FC236}">
+                <a16:creationId xmlns:a16="http://schemas.microsoft.com/office/drawing/2014/main" id="{120B5E47-FCCD-9843-B9F4-CECF09D03BB6}"/>
+              </a:ext>
+            </a:extLst>
+          </p:cNvPr>
+          <p:cNvSpPr>
+            <a:spLocks noGrp="1"/>
+          </p:cNvSpPr>
+          <p:nvPr>
+            <p:ph idx="1"/>
+          </p:nvPr>
+        </p:nvSpPr>
+        <p:spPr/>
+        <p:txBody>
+          <a:bodyPr/>
+          <a:lstStyle/>
+          <a:p>
+            <a:r>
+              <a:rPr kumimoji="1" lang="zh-CN" altLang="en-US" dirty="0"/>
               <a:t>落实并拓展操作系统课程所学，加深对操作系统知识的理解</a:t>
             </a:r>
             <a:endParaRPr kumimoji="1" lang="en-US" altLang="zh-CN" dirty="0"/>
@@ -6098,7 +6496,7 @@
 </p:sld>
 </file>
 
-<file path=ppt/slides/slide4.xml><?xml version="1.0" encoding="utf-8"?>
+<file path=ppt/slides/slide5.xml><?xml version="1.0" encoding="utf-8"?>
 <p:sld xmlns:a="http://schemas.openxmlformats.org/drawingml/2006/main" xmlns:r="http://schemas.openxmlformats.org/officeDocument/2006/relationships" xmlns:p="http://schemas.openxmlformats.org/presentationml/2006/main">
   <p:cSld>
     <p:spTree>
@@ -6247,7 +6645,7 @@
 </p:sld>
 </file>
 
-<file path=ppt/slides/slide5.xml><?xml version="1.0" encoding="utf-8"?>
+<file path=ppt/slides/slide6.xml><?xml version="1.0" encoding="utf-8"?>
 <p:sld xmlns:a="http://schemas.openxmlformats.org/drawingml/2006/main" xmlns:r="http://schemas.openxmlformats.org/officeDocument/2006/relationships" xmlns:p="http://schemas.openxmlformats.org/presentationml/2006/main">
   <p:cSld>
     <p:spTree>
@@ -6527,357 +6925,6 @@
 </p:sld>
 </file>
 
-<file path=ppt/slides/slide6.xml><?xml version="1.0" encoding="utf-8"?>
-<p:sld xmlns:a="http://schemas.openxmlformats.org/drawingml/2006/main" xmlns:r="http://schemas.openxmlformats.org/officeDocument/2006/relationships" xmlns:p="http://schemas.openxmlformats.org/presentationml/2006/main">
-  <p:cSld>
-    <p:spTree>
-      <p:nvGrpSpPr>
-        <p:cNvPr id="1" name=""/>
-        <p:cNvGrpSpPr/>
-        <p:nvPr/>
-      </p:nvGrpSpPr>
-      <p:grpSpPr>
-        <a:xfrm>
-          <a:off x="0" y="0"/>
-          <a:ext cx="0" cy="0"/>
-          <a:chOff x="0" y="0"/>
-          <a:chExt cx="0" cy="0"/>
-        </a:xfrm>
-      </p:grpSpPr>
-      <p:sp>
-        <p:nvSpPr>
-          <p:cNvPr id="2" name="内容占位符 1"/>
-          <p:cNvSpPr>
-            <a:spLocks noGrp="1"/>
-          </p:cNvSpPr>
-          <p:nvPr>
-            <p:ph idx="1"/>
-          </p:nvPr>
-        </p:nvSpPr>
-        <p:spPr>
-          <a:xfrm>
-            <a:off x="833377" y="1638170"/>
-            <a:ext cx="10521387" cy="4569199"/>
-          </a:xfrm>
-        </p:spPr>
-        <p:txBody>
-          <a:bodyPr>
-            <a:normAutofit/>
-          </a:bodyPr>
-          <a:lstStyle/>
-          <a:p>
-            <a:r>
-              <a:rPr lang="zh-CN" altLang="en-US" dirty="0"/>
-              <a:t>田凯夫、</a:t>
-            </a:r>
-            <a:r>
-              <a:rPr lang="en-US" altLang="zh-CN" dirty="0"/>
-              <a:t> </a:t>
-            </a:r>
-            <a:r>
-              <a:rPr lang="zh-CN" altLang="en-US" dirty="0"/>
-              <a:t>闭浩洋：</a:t>
-            </a:r>
-            <a:r>
-              <a:rPr lang="en-US" altLang="zh-CN" dirty="0"/>
-              <a:t> </a:t>
-            </a:r>
-            <a:r>
-              <a:rPr lang="en-US" altLang="zh-CN" dirty="0" err="1"/>
-              <a:t>rcore</a:t>
-            </a:r>
-            <a:r>
-              <a:rPr lang="en-US" altLang="zh-CN" dirty="0"/>
-              <a:t> tutorial</a:t>
-            </a:r>
-            <a:r>
-              <a:rPr lang="zh-CN" altLang="en-US" dirty="0"/>
-              <a:t> 模块化</a:t>
-            </a:r>
-            <a:r>
-              <a:rPr lang="en-US" altLang="zh-CN" dirty="0"/>
-              <a:t>/</a:t>
-            </a:r>
-            <a:r>
-              <a:rPr lang="zh-CN" altLang="en-US" dirty="0"/>
-              <a:t>微库化</a:t>
-            </a:r>
-            <a:endParaRPr lang="en-US" altLang="zh-CN" dirty="0"/>
-          </a:p>
-          <a:p>
-            <a:r>
-              <a:rPr lang="zh-CN" altLang="en-US" dirty="0"/>
-              <a:t>马思源：</a:t>
-            </a:r>
-            <a:r>
-              <a:rPr kumimoji="1" lang="en-US" altLang="zh-CN" dirty="0"/>
-              <a:t> </a:t>
-            </a:r>
-            <a:r>
-              <a:rPr kumimoji="1" lang="en-US" altLang="zh-CN" dirty="0" err="1"/>
-              <a:t>rCore</a:t>
-            </a:r>
-            <a:r>
-              <a:rPr kumimoji="1" lang="en-US" altLang="zh-CN" dirty="0"/>
-              <a:t>-Tutorial</a:t>
-            </a:r>
-            <a:r>
-              <a:rPr kumimoji="1" lang="zh-CN" altLang="en-US" dirty="0"/>
-              <a:t>操作系统中进程调度算法的设计与实现</a:t>
-            </a:r>
-            <a:endParaRPr kumimoji="1" lang="en-US" altLang="zh-CN" dirty="0"/>
-          </a:p>
-          <a:p>
-            <a:pPr lvl="1"/>
-            <a:r>
-              <a:rPr kumimoji="1" lang="zh-CN" altLang="en-US" dirty="0"/>
-              <a:t>批处理系统调度算法：最短作业优先（</a:t>
-            </a:r>
-            <a:r>
-              <a:rPr kumimoji="1" lang="en-US" altLang="zh-CN" dirty="0"/>
-              <a:t>SJF</a:t>
-            </a:r>
-            <a:r>
-              <a:rPr kumimoji="1" lang="zh-CN" altLang="en-US" dirty="0"/>
-              <a:t>）</a:t>
-            </a:r>
-            <a:r>
-              <a:rPr kumimoji="1" lang="en-US" altLang="zh-CN" dirty="0"/>
-              <a:t>,</a:t>
-            </a:r>
-            <a:r>
-              <a:rPr kumimoji="1" lang="zh-CN" altLang="en-US" dirty="0"/>
-              <a:t>最短完成时间优先（</a:t>
-            </a:r>
-            <a:r>
-              <a:rPr kumimoji="1" lang="en-US" altLang="zh-CN" dirty="0"/>
-              <a:t>STCF</a:t>
-            </a:r>
-            <a:r>
-              <a:rPr kumimoji="1" lang="zh-CN" altLang="en-US" dirty="0"/>
-              <a:t>）</a:t>
-            </a:r>
-            <a:r>
-              <a:rPr kumimoji="1" lang="en-US" altLang="zh-CN" dirty="0"/>
-              <a:t>,</a:t>
-            </a:r>
-            <a:r>
-              <a:rPr kumimoji="1" lang="zh-CN" altLang="en-US" dirty="0"/>
-              <a:t>最高响应比优先调度算法（</a:t>
-            </a:r>
-            <a:r>
-              <a:rPr kumimoji="1" lang="en-US" altLang="zh-CN" dirty="0"/>
-              <a:t>HRRN</a:t>
-            </a:r>
-            <a:r>
-              <a:rPr kumimoji="1" lang="zh-CN" altLang="en-US" dirty="0"/>
-              <a:t>）</a:t>
-            </a:r>
-            <a:endParaRPr kumimoji="1" lang="en-US" altLang="zh-CN" dirty="0"/>
-          </a:p>
-          <a:p>
-            <a:pPr lvl="1"/>
-            <a:r>
-              <a:rPr kumimoji="1" lang="zh-CN" altLang="en-US" dirty="0"/>
-              <a:t>交互式系统调度算法：多级队列调度（</a:t>
-            </a:r>
-            <a:r>
-              <a:rPr kumimoji="1" lang="en-US" altLang="zh-CN" dirty="0"/>
-              <a:t>MQ</a:t>
-            </a:r>
-            <a:r>
-              <a:rPr kumimoji="1" lang="zh-CN" altLang="en-US" dirty="0"/>
-              <a:t>）</a:t>
-            </a:r>
-            <a:r>
-              <a:rPr kumimoji="1" lang="en-US" altLang="zh-CN" dirty="0"/>
-              <a:t>,</a:t>
-            </a:r>
-            <a:r>
-              <a:rPr kumimoji="1" lang="zh-CN" altLang="en-US" dirty="0"/>
-              <a:t>多级反馈队列（</a:t>
-            </a:r>
-            <a:r>
-              <a:rPr kumimoji="1" lang="en-US" altLang="zh-CN" dirty="0"/>
-              <a:t>MLFQ</a:t>
-            </a:r>
-            <a:r>
-              <a:rPr kumimoji="1" lang="zh-CN" altLang="en-US" dirty="0"/>
-              <a:t>）</a:t>
-            </a:r>
-            <a:r>
-              <a:rPr kumimoji="1" lang="en-US" altLang="zh-CN" dirty="0"/>
-              <a:t>,</a:t>
-            </a:r>
-            <a:r>
-              <a:rPr kumimoji="1" lang="zh-CN" altLang="en-US" dirty="0"/>
-              <a:t>彩票调度（</a:t>
-            </a:r>
-            <a:r>
-              <a:rPr kumimoji="1" lang="en-US" altLang="zh-CN" dirty="0"/>
-              <a:t>Lottery</a:t>
-            </a:r>
-            <a:r>
-              <a:rPr kumimoji="1" lang="zh-CN" altLang="en-US" dirty="0"/>
-              <a:t>）</a:t>
-            </a:r>
-            <a:r>
-              <a:rPr kumimoji="1" lang="en-US" altLang="zh-CN" dirty="0"/>
-              <a:t>,</a:t>
-            </a:r>
-            <a:r>
-              <a:rPr kumimoji="1" lang="zh-CN" altLang="en-US" dirty="0"/>
-              <a:t>步长调度（</a:t>
-            </a:r>
-            <a:r>
-              <a:rPr kumimoji="1" lang="en-US" altLang="zh-CN" dirty="0"/>
-              <a:t>Stride</a:t>
-            </a:r>
-            <a:r>
-              <a:rPr kumimoji="1" lang="zh-CN" altLang="en-US" dirty="0"/>
-              <a:t>）</a:t>
-            </a:r>
-            <a:endParaRPr kumimoji="1" lang="en-US" altLang="zh-CN" dirty="0"/>
-          </a:p>
-          <a:p>
-            <a:pPr lvl="1"/>
-            <a:r>
-              <a:rPr kumimoji="1" lang="zh-CN" altLang="en-US" dirty="0"/>
-              <a:t>实时计算机系统调度算法：单调速率（</a:t>
-            </a:r>
-            <a:r>
-              <a:rPr kumimoji="1" lang="en-US" altLang="zh-CN" dirty="0"/>
-              <a:t>RMS</a:t>
-            </a:r>
-            <a:r>
-              <a:rPr kumimoji="1" lang="zh-CN" altLang="en-US" dirty="0"/>
-              <a:t>）</a:t>
-            </a:r>
-            <a:r>
-              <a:rPr kumimoji="1" lang="en-US" altLang="zh-CN" dirty="0"/>
-              <a:t>,</a:t>
-            </a:r>
-            <a:r>
-              <a:rPr kumimoji="1" lang="zh-CN" altLang="en-US" dirty="0"/>
-              <a:t>最早截止期限优先（</a:t>
-            </a:r>
-            <a:r>
-              <a:rPr kumimoji="1" lang="en-US" altLang="zh-CN" dirty="0"/>
-              <a:t>EDF</a:t>
-            </a:r>
-            <a:r>
-              <a:rPr kumimoji="1" lang="zh-CN" altLang="en-US" dirty="0"/>
-              <a:t>）</a:t>
-            </a:r>
-            <a:endParaRPr kumimoji="1" lang="en-US" altLang="zh-CN" dirty="0"/>
-          </a:p>
-          <a:p>
-            <a:r>
-              <a:rPr lang="zh-CN" altLang="en-US" dirty="0"/>
-              <a:t>徐奥淳：</a:t>
-            </a:r>
-            <a:r>
-              <a:rPr lang="en-US" altLang="zh-CN" dirty="0" err="1"/>
-              <a:t>rCore</a:t>
-            </a:r>
-            <a:r>
-              <a:rPr lang="en-US" altLang="zh-CN" dirty="0"/>
-              <a:t>-Tutorial</a:t>
-            </a:r>
-            <a:r>
-              <a:rPr lang="zh-CN" altLang="en-US" dirty="0"/>
-              <a:t>页面置换算法与多核同步互斥机制</a:t>
-            </a:r>
-            <a:endParaRPr lang="en-US" altLang="zh-CN" dirty="0"/>
-          </a:p>
-          <a:p>
-            <a:pPr lvl="1"/>
-            <a:r>
-              <a:rPr lang="zh-CN" altLang="en-US" dirty="0"/>
-              <a:t>实现了先进先出（</a:t>
-            </a:r>
-            <a:r>
-              <a:rPr lang="en-US" altLang="zh-CN" dirty="0"/>
-              <a:t>FIFO</a:t>
-            </a:r>
-            <a:r>
-              <a:rPr lang="zh-CN" altLang="en-US" dirty="0"/>
-              <a:t>），时钟（</a:t>
-            </a:r>
-            <a:r>
-              <a:rPr lang="en-US" altLang="zh-CN" dirty="0"/>
-              <a:t>Clock</a:t>
-            </a:r>
-            <a:r>
-              <a:rPr lang="zh-CN" altLang="en-US" dirty="0"/>
-              <a:t>），改进时钟（</a:t>
-            </a:r>
-            <a:r>
-              <a:rPr lang="en-US" altLang="zh-CN" dirty="0"/>
-              <a:t>Enhanced</a:t>
-            </a:r>
-            <a:r>
-              <a:rPr lang="zh-CN" altLang="en-US" dirty="0"/>
-              <a:t> </a:t>
-            </a:r>
-            <a:r>
-              <a:rPr lang="en-US" altLang="zh-CN" dirty="0"/>
-              <a:t>Clock</a:t>
-            </a:r>
-            <a:r>
-              <a:rPr lang="zh-CN" altLang="en-US" dirty="0"/>
-              <a:t>）三种局部页面置换算法</a:t>
-            </a:r>
-            <a:endParaRPr lang="en-US" altLang="zh-CN" dirty="0"/>
-          </a:p>
-          <a:p>
-            <a:pPr lvl="1"/>
-            <a:r>
-              <a:rPr lang="zh-CN" altLang="en-US" dirty="0"/>
-              <a:t>实现了缺页率和工作集两种全局页面置换算法</a:t>
-            </a:r>
-            <a:endParaRPr lang="en-US" altLang="zh-CN" dirty="0"/>
-          </a:p>
-          <a:p>
-            <a:endParaRPr lang="en-US" altLang="zh-CN" dirty="0"/>
-          </a:p>
-        </p:txBody>
-      </p:sp>
-      <p:sp>
-        <p:nvSpPr>
-          <p:cNvPr id="3" name="标题 2"/>
-          <p:cNvSpPr>
-            <a:spLocks noGrp="1"/>
-          </p:cNvSpPr>
-          <p:nvPr>
-            <p:ph type="title"/>
-          </p:nvPr>
-        </p:nvSpPr>
-        <p:spPr/>
-        <p:txBody>
-          <a:bodyPr/>
-          <a:lstStyle/>
-          <a:p>
-            <a:r>
-              <a:rPr lang="zh-CN" altLang="en-US" dirty="0"/>
-              <a:t>设计背景：前序工作</a:t>
-            </a:r>
-          </a:p>
-        </p:txBody>
-      </p:sp>
-    </p:spTree>
-    <p:extLst>
-      <p:ext uri="{BB962C8B-B14F-4D97-AF65-F5344CB8AC3E}">
-        <p14:creationId xmlns:p14="http://schemas.microsoft.com/office/powerpoint/2010/main" val="2042864795"/>
-      </p:ext>
-    </p:extLst>
-  </p:cSld>
-  <p:clrMapOvr>
-    <a:masterClrMapping/>
-  </p:clrMapOvr>
-</p:sld>
-</file>
-
 <file path=ppt/slides/slide7.xml><?xml version="1.0" encoding="utf-8"?>
 <p:sld xmlns:a="http://schemas.openxmlformats.org/drawingml/2006/main" xmlns:r="http://schemas.openxmlformats.org/officeDocument/2006/relationships" xmlns:p="http://schemas.openxmlformats.org/presentationml/2006/main">
   <p:cSld>
@@ -6897,6 +6944,365 @@
       </p:grpSpPr>
       <p:sp>
         <p:nvSpPr>
+          <p:cNvPr id="2" name="内容占位符 1"/>
+          <p:cNvSpPr>
+            <a:spLocks noGrp="1"/>
+          </p:cNvSpPr>
+          <p:nvPr>
+            <p:ph idx="1"/>
+          </p:nvPr>
+        </p:nvSpPr>
+        <p:spPr>
+          <a:xfrm>
+            <a:off x="833377" y="1638170"/>
+            <a:ext cx="10521387" cy="4569199"/>
+          </a:xfrm>
+        </p:spPr>
+        <p:txBody>
+          <a:bodyPr>
+            <a:normAutofit/>
+          </a:bodyPr>
+          <a:lstStyle/>
+          <a:p>
+            <a:r>
+              <a:rPr lang="zh-CN" altLang="en-US" dirty="0"/>
+              <a:t>田凯夫、</a:t>
+            </a:r>
+            <a:r>
+              <a:rPr lang="en-US" altLang="zh-CN" dirty="0"/>
+              <a:t> </a:t>
+            </a:r>
+            <a:r>
+              <a:rPr lang="zh-CN" altLang="en-US" dirty="0"/>
+              <a:t>闭浩洋：</a:t>
+            </a:r>
+            <a:r>
+              <a:rPr lang="en-US" altLang="zh-CN" dirty="0"/>
+              <a:t> </a:t>
+            </a:r>
+            <a:r>
+              <a:rPr lang="en-US" altLang="zh-CN" dirty="0" err="1"/>
+              <a:t>rcore</a:t>
+            </a:r>
+            <a:r>
+              <a:rPr lang="en-US" altLang="zh-CN" dirty="0"/>
+              <a:t> tutorial</a:t>
+            </a:r>
+            <a:r>
+              <a:rPr lang="zh-CN" altLang="en-US" dirty="0"/>
+              <a:t> 模块化</a:t>
+            </a:r>
+            <a:r>
+              <a:rPr lang="en-US" altLang="zh-CN" dirty="0"/>
+              <a:t>/</a:t>
+            </a:r>
+            <a:r>
+              <a:rPr lang="zh-CN" altLang="en-US" dirty="0"/>
+              <a:t>微库化（</a:t>
+            </a:r>
+            <a:r>
+              <a:rPr lang="en-US" altLang="zh-CN" dirty="0" err="1"/>
+              <a:t>monoRCore</a:t>
+            </a:r>
+            <a:r>
+              <a:rPr lang="zh-CN" altLang="en-US" dirty="0"/>
+              <a:t>）</a:t>
+            </a:r>
+            <a:endParaRPr lang="en-US" altLang="zh-CN" dirty="0"/>
+          </a:p>
+          <a:p>
+            <a:r>
+              <a:rPr lang="zh-CN" altLang="en-US" dirty="0"/>
+              <a:t>马思源：</a:t>
+            </a:r>
+            <a:r>
+              <a:rPr kumimoji="1" lang="en-US" altLang="zh-CN" dirty="0"/>
+              <a:t> </a:t>
+            </a:r>
+            <a:r>
+              <a:rPr kumimoji="1" lang="en-US" altLang="zh-CN" dirty="0" err="1"/>
+              <a:t>rCore</a:t>
+            </a:r>
+            <a:r>
+              <a:rPr kumimoji="1" lang="en-US" altLang="zh-CN" dirty="0"/>
+              <a:t>-Tutorial</a:t>
+            </a:r>
+            <a:r>
+              <a:rPr kumimoji="1" lang="zh-CN" altLang="en-US" dirty="0"/>
+              <a:t>操作系统中进程调度算法的设计与实现</a:t>
+            </a:r>
+            <a:endParaRPr kumimoji="1" lang="en-US" altLang="zh-CN" dirty="0"/>
+          </a:p>
+          <a:p>
+            <a:pPr lvl="1"/>
+            <a:r>
+              <a:rPr kumimoji="1" lang="zh-CN" altLang="en-US" dirty="0"/>
+              <a:t>批处理系统调度算法：最短作业优先（</a:t>
+            </a:r>
+            <a:r>
+              <a:rPr kumimoji="1" lang="en-US" altLang="zh-CN" dirty="0"/>
+              <a:t>SJF</a:t>
+            </a:r>
+            <a:r>
+              <a:rPr kumimoji="1" lang="zh-CN" altLang="en-US" dirty="0"/>
+              <a:t>）</a:t>
+            </a:r>
+            <a:r>
+              <a:rPr kumimoji="1" lang="en-US" altLang="zh-CN" dirty="0"/>
+              <a:t>,</a:t>
+            </a:r>
+            <a:r>
+              <a:rPr kumimoji="1" lang="zh-CN" altLang="en-US" dirty="0"/>
+              <a:t>最短完成时间优先（</a:t>
+            </a:r>
+            <a:r>
+              <a:rPr kumimoji="1" lang="en-US" altLang="zh-CN" dirty="0"/>
+              <a:t>STCF</a:t>
+            </a:r>
+            <a:r>
+              <a:rPr kumimoji="1" lang="zh-CN" altLang="en-US" dirty="0"/>
+              <a:t>）</a:t>
+            </a:r>
+            <a:r>
+              <a:rPr kumimoji="1" lang="en-US" altLang="zh-CN" dirty="0"/>
+              <a:t>,</a:t>
+            </a:r>
+            <a:r>
+              <a:rPr kumimoji="1" lang="zh-CN" altLang="en-US" dirty="0"/>
+              <a:t>最高响应比优先调度算法（</a:t>
+            </a:r>
+            <a:r>
+              <a:rPr kumimoji="1" lang="en-US" altLang="zh-CN" dirty="0"/>
+              <a:t>HRRN</a:t>
+            </a:r>
+            <a:r>
+              <a:rPr kumimoji="1" lang="zh-CN" altLang="en-US" dirty="0"/>
+              <a:t>）</a:t>
+            </a:r>
+            <a:endParaRPr kumimoji="1" lang="en-US" altLang="zh-CN" dirty="0"/>
+          </a:p>
+          <a:p>
+            <a:pPr lvl="1"/>
+            <a:r>
+              <a:rPr kumimoji="1" lang="zh-CN" altLang="en-US" dirty="0"/>
+              <a:t>交互式系统调度算法：多级队列调度（</a:t>
+            </a:r>
+            <a:r>
+              <a:rPr kumimoji="1" lang="en-US" altLang="zh-CN" dirty="0"/>
+              <a:t>MQ</a:t>
+            </a:r>
+            <a:r>
+              <a:rPr kumimoji="1" lang="zh-CN" altLang="en-US" dirty="0"/>
+              <a:t>）</a:t>
+            </a:r>
+            <a:r>
+              <a:rPr kumimoji="1" lang="en-US" altLang="zh-CN" dirty="0"/>
+              <a:t>,</a:t>
+            </a:r>
+            <a:r>
+              <a:rPr kumimoji="1" lang="zh-CN" altLang="en-US" dirty="0"/>
+              <a:t>多级反馈队列（</a:t>
+            </a:r>
+            <a:r>
+              <a:rPr kumimoji="1" lang="en-US" altLang="zh-CN" dirty="0"/>
+              <a:t>MLFQ</a:t>
+            </a:r>
+            <a:r>
+              <a:rPr kumimoji="1" lang="zh-CN" altLang="en-US" dirty="0"/>
+              <a:t>）</a:t>
+            </a:r>
+            <a:r>
+              <a:rPr kumimoji="1" lang="en-US" altLang="zh-CN" dirty="0"/>
+              <a:t>,</a:t>
+            </a:r>
+            <a:r>
+              <a:rPr kumimoji="1" lang="zh-CN" altLang="en-US" dirty="0"/>
+              <a:t>彩票调度（</a:t>
+            </a:r>
+            <a:r>
+              <a:rPr kumimoji="1" lang="en-US" altLang="zh-CN" dirty="0"/>
+              <a:t>Lottery</a:t>
+            </a:r>
+            <a:r>
+              <a:rPr kumimoji="1" lang="zh-CN" altLang="en-US" dirty="0"/>
+              <a:t>）</a:t>
+            </a:r>
+            <a:r>
+              <a:rPr kumimoji="1" lang="en-US" altLang="zh-CN" dirty="0"/>
+              <a:t>,</a:t>
+            </a:r>
+            <a:r>
+              <a:rPr kumimoji="1" lang="zh-CN" altLang="en-US" dirty="0"/>
+              <a:t>步长调度（</a:t>
+            </a:r>
+            <a:r>
+              <a:rPr kumimoji="1" lang="en-US" altLang="zh-CN" dirty="0"/>
+              <a:t>Stride</a:t>
+            </a:r>
+            <a:r>
+              <a:rPr kumimoji="1" lang="zh-CN" altLang="en-US" dirty="0"/>
+              <a:t>）</a:t>
+            </a:r>
+            <a:endParaRPr kumimoji="1" lang="en-US" altLang="zh-CN" dirty="0"/>
+          </a:p>
+          <a:p>
+            <a:pPr lvl="1"/>
+            <a:r>
+              <a:rPr kumimoji="1" lang="zh-CN" altLang="en-US" dirty="0"/>
+              <a:t>实时计算机系统调度算法：单调速率（</a:t>
+            </a:r>
+            <a:r>
+              <a:rPr kumimoji="1" lang="en-US" altLang="zh-CN" dirty="0"/>
+              <a:t>RMS</a:t>
+            </a:r>
+            <a:r>
+              <a:rPr kumimoji="1" lang="zh-CN" altLang="en-US" dirty="0"/>
+              <a:t>）</a:t>
+            </a:r>
+            <a:r>
+              <a:rPr kumimoji="1" lang="en-US" altLang="zh-CN" dirty="0"/>
+              <a:t>,</a:t>
+            </a:r>
+            <a:r>
+              <a:rPr kumimoji="1" lang="zh-CN" altLang="en-US" dirty="0"/>
+              <a:t>最早截止期限优先（</a:t>
+            </a:r>
+            <a:r>
+              <a:rPr kumimoji="1" lang="en-US" altLang="zh-CN" dirty="0"/>
+              <a:t>EDF</a:t>
+            </a:r>
+            <a:r>
+              <a:rPr kumimoji="1" lang="zh-CN" altLang="en-US" dirty="0"/>
+              <a:t>）</a:t>
+            </a:r>
+            <a:endParaRPr kumimoji="1" lang="en-US" altLang="zh-CN" dirty="0"/>
+          </a:p>
+          <a:p>
+            <a:r>
+              <a:rPr lang="zh-CN" altLang="en-US" dirty="0"/>
+              <a:t>徐奥淳：</a:t>
+            </a:r>
+            <a:r>
+              <a:rPr lang="en-US" altLang="zh-CN" dirty="0" err="1"/>
+              <a:t>rCore</a:t>
+            </a:r>
+            <a:r>
+              <a:rPr lang="en-US" altLang="zh-CN" dirty="0"/>
+              <a:t>-Tutorial</a:t>
+            </a:r>
+            <a:r>
+              <a:rPr lang="zh-CN" altLang="en-US" dirty="0"/>
+              <a:t>页面置换算法与多核同步互斥机制</a:t>
+            </a:r>
+            <a:endParaRPr lang="en-US" altLang="zh-CN" dirty="0"/>
+          </a:p>
+          <a:p>
+            <a:pPr lvl="1"/>
+            <a:r>
+              <a:rPr lang="zh-CN" altLang="en-US" dirty="0"/>
+              <a:t>实现了先进先出（</a:t>
+            </a:r>
+            <a:r>
+              <a:rPr lang="en-US" altLang="zh-CN" dirty="0"/>
+              <a:t>FIFO</a:t>
+            </a:r>
+            <a:r>
+              <a:rPr lang="zh-CN" altLang="en-US" dirty="0"/>
+              <a:t>），时钟（</a:t>
+            </a:r>
+            <a:r>
+              <a:rPr lang="en-US" altLang="zh-CN" dirty="0"/>
+              <a:t>Clock</a:t>
+            </a:r>
+            <a:r>
+              <a:rPr lang="zh-CN" altLang="en-US" dirty="0"/>
+              <a:t>），改进时钟（</a:t>
+            </a:r>
+            <a:r>
+              <a:rPr lang="en-US" altLang="zh-CN" dirty="0"/>
+              <a:t>Enhanced</a:t>
+            </a:r>
+            <a:r>
+              <a:rPr lang="zh-CN" altLang="en-US" dirty="0"/>
+              <a:t> </a:t>
+            </a:r>
+            <a:r>
+              <a:rPr lang="en-US" altLang="zh-CN" dirty="0"/>
+              <a:t>Clock</a:t>
+            </a:r>
+            <a:r>
+              <a:rPr lang="zh-CN" altLang="en-US" dirty="0"/>
+              <a:t>）三种局部页面置换算法</a:t>
+            </a:r>
+            <a:endParaRPr lang="en-US" altLang="zh-CN" dirty="0"/>
+          </a:p>
+          <a:p>
+            <a:pPr lvl="1"/>
+            <a:r>
+              <a:rPr lang="zh-CN" altLang="en-US" dirty="0"/>
+              <a:t>实现了缺页率和工作集两种全局页面置换算法</a:t>
+            </a:r>
+            <a:endParaRPr lang="en-US" altLang="zh-CN" dirty="0"/>
+          </a:p>
+          <a:p>
+            <a:endParaRPr lang="en-US" altLang="zh-CN" dirty="0"/>
+          </a:p>
+        </p:txBody>
+      </p:sp>
+      <p:sp>
+        <p:nvSpPr>
+          <p:cNvPr id="3" name="标题 2"/>
+          <p:cNvSpPr>
+            <a:spLocks noGrp="1"/>
+          </p:cNvSpPr>
+          <p:nvPr>
+            <p:ph type="title"/>
+          </p:nvPr>
+        </p:nvSpPr>
+        <p:spPr/>
+        <p:txBody>
+          <a:bodyPr/>
+          <a:lstStyle/>
+          <a:p>
+            <a:r>
+              <a:rPr lang="zh-CN" altLang="en-US" dirty="0"/>
+              <a:t>设计背景：前序工作</a:t>
+            </a:r>
+          </a:p>
+        </p:txBody>
+      </p:sp>
+    </p:spTree>
+    <p:extLst>
+      <p:ext uri="{BB962C8B-B14F-4D97-AF65-F5344CB8AC3E}">
+        <p14:creationId xmlns:p14="http://schemas.microsoft.com/office/powerpoint/2010/main" val="2042864795"/>
+      </p:ext>
+    </p:extLst>
+  </p:cSld>
+  <p:clrMapOvr>
+    <a:masterClrMapping/>
+  </p:clrMapOvr>
+</p:sld>
+</file>
+
+<file path=ppt/slides/slide8.xml><?xml version="1.0" encoding="utf-8"?>
+<p:sld xmlns:a="http://schemas.openxmlformats.org/drawingml/2006/main" xmlns:r="http://schemas.openxmlformats.org/officeDocument/2006/relationships" xmlns:p="http://schemas.openxmlformats.org/presentationml/2006/main">
+  <p:cSld>
+    <p:spTree>
+      <p:nvGrpSpPr>
+        <p:cNvPr id="1" name=""/>
+        <p:cNvGrpSpPr/>
+        <p:nvPr/>
+      </p:nvGrpSpPr>
+      <p:grpSpPr>
+        <a:xfrm>
+          <a:off x="0" y="0"/>
+          <a:ext cx="0" cy="0"/>
+          <a:chOff x="0" y="0"/>
+          <a:chExt cx="0" cy="0"/>
+        </a:xfrm>
+      </p:grpSpPr>
+      <p:sp>
+        <p:nvSpPr>
           <p:cNvPr id="2" name="内容占位符 1">
             <a:extLst>
               <a:ext uri="{FF2B5EF4-FFF2-40B4-BE49-F238E27FC236}">
@@ -7032,7 +7438,15 @@
             </a:r>
             <a:r>
               <a:rPr lang="zh-CN" altLang="en-US" dirty="0"/>
-              <a:t>微库化</a:t>
+              <a:t>微库化（</a:t>
+            </a:r>
+            <a:r>
+              <a:rPr lang="en-US" altLang="zh-CN" dirty="0" err="1"/>
+              <a:t>monoRCore</a:t>
+            </a:r>
+            <a:r>
+              <a:rPr lang="zh-CN" altLang="en-US" dirty="0"/>
+              <a:t>）</a:t>
             </a:r>
             <a:endParaRPr kumimoji="1" lang="zh-CN" altLang="en-US" cap="none" dirty="0"/>
           </a:p>
@@ -7139,7 +7553,7 @@
 </p:sld>
 </file>
 
-<file path=ppt/slides/slide8.xml><?xml version="1.0" encoding="utf-8"?>
+<file path=ppt/slides/slide9.xml><?xml version="1.0" encoding="utf-8"?>
 <p:sld xmlns:a="http://schemas.openxmlformats.org/drawingml/2006/main" xmlns:r="http://schemas.openxmlformats.org/officeDocument/2006/relationships" xmlns:p="http://schemas.openxmlformats.org/presentationml/2006/main">
   <p:cSld>
     <p:spTree>
@@ -7350,202 +7764,6 @@
     <p:extLst>
       <p:ext uri="{BB962C8B-B14F-4D97-AF65-F5344CB8AC3E}">
         <p14:creationId xmlns:p14="http://schemas.microsoft.com/office/powerpoint/2010/main" val="3384455466"/>
-      </p:ext>
-    </p:extLst>
-  </p:cSld>
-  <p:clrMapOvr>
-    <a:masterClrMapping/>
-  </p:clrMapOvr>
-</p:sld>
-</file>
-
-<file path=ppt/slides/slide9.xml><?xml version="1.0" encoding="utf-8"?>
-<p:sld xmlns:a="http://schemas.openxmlformats.org/drawingml/2006/main" xmlns:r="http://schemas.openxmlformats.org/officeDocument/2006/relationships" xmlns:p="http://schemas.openxmlformats.org/presentationml/2006/main">
-  <p:cSld>
-    <p:spTree>
-      <p:nvGrpSpPr>
-        <p:cNvPr id="1" name=""/>
-        <p:cNvGrpSpPr/>
-        <p:nvPr/>
-      </p:nvGrpSpPr>
-      <p:grpSpPr>
-        <a:xfrm>
-          <a:off x="0" y="0"/>
-          <a:ext cx="0" cy="0"/>
-          <a:chOff x="0" y="0"/>
-          <a:chExt cx="0" cy="0"/>
-        </a:xfrm>
-      </p:grpSpPr>
-      <p:sp>
-        <p:nvSpPr>
-          <p:cNvPr id="2" name="内容占位符 1">
-            <a:extLst>
-              <a:ext uri="{FF2B5EF4-FFF2-40B4-BE49-F238E27FC236}">
-                <a16:creationId xmlns:a16="http://schemas.microsoft.com/office/drawing/2014/main" id="{4CEAE358-0C04-C648-980D-81F0955A45F4}"/>
-              </a:ext>
-            </a:extLst>
-          </p:cNvPr>
-          <p:cNvSpPr>
-            <a:spLocks noGrp="1"/>
-          </p:cNvSpPr>
-          <p:nvPr>
-            <p:ph idx="1"/>
-          </p:nvPr>
-        </p:nvSpPr>
-        <p:spPr>
-          <a:xfrm>
-            <a:off x="835306" y="1792872"/>
-            <a:ext cx="10654329" cy="4150728"/>
-          </a:xfrm>
-        </p:spPr>
-        <p:txBody>
-          <a:bodyPr/>
-          <a:lstStyle/>
-          <a:p>
-            <a:r>
-              <a:rPr lang="zh-CN" altLang="en-US" dirty="0"/>
-              <a:t>徐奥淳：</a:t>
-            </a:r>
-            <a:r>
-              <a:rPr lang="en-US" altLang="zh-CN" dirty="0" err="1"/>
-              <a:t>rCore</a:t>
-            </a:r>
-            <a:r>
-              <a:rPr lang="en-US" altLang="zh-CN" dirty="0"/>
-              <a:t>-Tutorial</a:t>
-            </a:r>
-            <a:r>
-              <a:rPr lang="zh-CN" altLang="en-US" dirty="0"/>
-              <a:t>页面置换算法与多核同步互斥机制</a:t>
-            </a:r>
-            <a:endParaRPr lang="en-US" altLang="zh-CN" dirty="0"/>
-          </a:p>
-          <a:p>
-            <a:r>
-              <a:rPr kumimoji="1" lang="zh-CN" altLang="en-US" dirty="0"/>
-              <a:t>在 </a:t>
-            </a:r>
-            <a:r>
-              <a:rPr kumimoji="1" lang="en-US" altLang="zh-CN" dirty="0" err="1"/>
-              <a:t>rCore</a:t>
-            </a:r>
-            <a:r>
-              <a:rPr kumimoji="1" lang="en-US" altLang="zh-CN" dirty="0"/>
-              <a:t>-Tutorial</a:t>
-            </a:r>
-            <a:r>
-              <a:rPr kumimoji="1" lang="zh-CN" altLang="en-US" dirty="0"/>
-              <a:t> 框架下实现了多种页面置换算法，并进行了测试</a:t>
-            </a:r>
-          </a:p>
-          <a:p>
-            <a:pPr marL="0" indent="0">
-              <a:buNone/>
-            </a:pPr>
-            <a:endParaRPr lang="en-US" altLang="zh-CN" dirty="0"/>
-          </a:p>
-          <a:p>
-            <a:endParaRPr kumimoji="1" lang="zh-CN" altLang="en-US" dirty="0"/>
-          </a:p>
-        </p:txBody>
-      </p:sp>
-      <p:sp>
-        <p:nvSpPr>
-          <p:cNvPr id="3" name="标题 2">
-            <a:extLst>
-              <a:ext uri="{FF2B5EF4-FFF2-40B4-BE49-F238E27FC236}">
-                <a16:creationId xmlns:a16="http://schemas.microsoft.com/office/drawing/2014/main" id="{8345AEFF-81D1-8D40-BF16-B7B72AF26769}"/>
-              </a:ext>
-            </a:extLst>
-          </p:cNvPr>
-          <p:cNvSpPr>
-            <a:spLocks noGrp="1"/>
-          </p:cNvSpPr>
-          <p:nvPr>
-            <p:ph type="title"/>
-          </p:nvPr>
-        </p:nvSpPr>
-        <p:spPr/>
-        <p:txBody>
-          <a:bodyPr/>
-          <a:lstStyle/>
-          <a:p>
-            <a:r>
-              <a:rPr kumimoji="1" lang="zh-CN" altLang="en-US" cap="none" dirty="0"/>
-              <a:t>设计背景：</a:t>
-            </a:r>
-            <a:r>
-              <a:rPr lang="zh-CN" altLang="en-US" dirty="0"/>
-              <a:t>页面置换算法</a:t>
-            </a:r>
-            <a:endParaRPr kumimoji="1" lang="zh-CN" altLang="en-US" dirty="0"/>
-          </a:p>
-        </p:txBody>
-      </p:sp>
-      <p:pic>
-        <p:nvPicPr>
-          <p:cNvPr id="4" name="图片 3">
-            <a:extLst>
-              <a:ext uri="{FF2B5EF4-FFF2-40B4-BE49-F238E27FC236}">
-                <a16:creationId xmlns:a16="http://schemas.microsoft.com/office/drawing/2014/main" id="{F015AA7D-D8FE-F746-9208-E0E7945BDBE4}"/>
-              </a:ext>
-            </a:extLst>
-          </p:cNvPr>
-          <p:cNvPicPr>
-            <a:picLocks noChangeAspect="1"/>
-          </p:cNvPicPr>
-          <p:nvPr/>
-        </p:nvPicPr>
-        <p:blipFill>
-          <a:blip r:embed="rId2"/>
-          <a:stretch>
-            <a:fillRect/>
-          </a:stretch>
-        </p:blipFill>
-        <p:spPr>
-          <a:xfrm>
-            <a:off x="835306" y="2727738"/>
-            <a:ext cx="5215183" cy="2550491"/>
-          </a:xfrm>
-          <a:prstGeom prst="rect">
-            <a:avLst/>
-          </a:prstGeom>
-        </p:spPr>
-      </p:pic>
-      <p:pic>
-        <p:nvPicPr>
-          <p:cNvPr id="5" name="图片 4">
-            <a:extLst>
-              <a:ext uri="{FF2B5EF4-FFF2-40B4-BE49-F238E27FC236}">
-                <a16:creationId xmlns:a16="http://schemas.microsoft.com/office/drawing/2014/main" id="{2667E2CC-9CDE-DD4F-B230-EA187FD952AB}"/>
-              </a:ext>
-            </a:extLst>
-          </p:cNvPr>
-          <p:cNvPicPr>
-            <a:picLocks noChangeAspect="1"/>
-          </p:cNvPicPr>
-          <p:nvPr/>
-        </p:nvPicPr>
-        <p:blipFill>
-          <a:blip r:embed="rId3"/>
-          <a:stretch>
-            <a:fillRect/>
-          </a:stretch>
-        </p:blipFill>
-        <p:spPr>
-          <a:xfrm>
-            <a:off x="6162470" y="2727738"/>
-            <a:ext cx="5811867" cy="2610678"/>
-          </a:xfrm>
-          <a:prstGeom prst="rect">
-            <a:avLst/>
-          </a:prstGeom>
-        </p:spPr>
-      </p:pic>
-    </p:spTree>
-    <p:extLst>
-      <p:ext uri="{BB962C8B-B14F-4D97-AF65-F5344CB8AC3E}">
-        <p14:creationId xmlns:p14="http://schemas.microsoft.com/office/powerpoint/2010/main" val="4158287327"/>
       </p:ext>
     </p:extLst>
   </p:cSld>
